--- a/SDN/联通-接入网统一管控系统--XXX.pptx
+++ b/SDN/联通-接入网统一管控系统--XXX.pptx
@@ -5,18 +5,21 @@
     <p:sldMasterId id="2147483648" r:id="rId1"/>
   </p:sldMasterIdLst>
   <p:notesMasterIdLst>
-    <p:notesMasterId r:id="rId8"/>
+    <p:notesMasterId r:id="rId11"/>
   </p:notesMasterIdLst>
   <p:handoutMasterIdLst>
-    <p:handoutMasterId r:id="rId9"/>
+    <p:handoutMasterId r:id="rId12"/>
   </p:handoutMasterIdLst>
   <p:sldIdLst>
     <p:sldId id="621" r:id="rId2"/>
     <p:sldId id="622" r:id="rId3"/>
     <p:sldId id="623" r:id="rId4"/>
     <p:sldId id="624" r:id="rId5"/>
-    <p:sldId id="553" r:id="rId6"/>
-    <p:sldId id="557" r:id="rId7"/>
+    <p:sldId id="625" r:id="rId6"/>
+    <p:sldId id="626" r:id="rId7"/>
+    <p:sldId id="627" r:id="rId8"/>
+    <p:sldId id="553" r:id="rId9"/>
+    <p:sldId id="557" r:id="rId10"/>
   </p:sldIdLst>
   <p:sldSz cx="12192000" cy="6858000"/>
   <p:notesSz cx="7099300" cy="10234613"/>
@@ -273,7 +276,7 @@
               <a:pPr>
                 <a:defRPr/>
               </a:pPr>
-              <a:t>2022/4/14</a:t>
+              <a:t>2022/4/20</a:t>
             </a:fld>
             <a:endParaRPr lang="zh-CN" altLang="en-US"/>
           </a:p>
@@ -492,7 +495,7 @@
               <a:pPr>
                 <a:defRPr/>
               </a:pPr>
-              <a:t>2022/4/14</a:t>
+              <a:t>2022/4/20</a:t>
             </a:fld>
             <a:endParaRPr lang="zh-CN" altLang="en-US"/>
           </a:p>
@@ -1216,7 +1219,7 @@
               <a:pPr>
                 <a:defRPr/>
               </a:pPr>
-              <a:t>2022/4/14</a:t>
+              <a:t>2022/4/20</a:t>
             </a:fld>
             <a:endParaRPr lang="zh-CN" altLang="en-US"/>
           </a:p>
@@ -1750,12 +1753,16 @@
           <a:p>
             <a:pPr algn="ctr"/>
             <a:r>
-              <a:rPr lang="en-US" altLang="zh-CN" sz="3200" b="1" dirty="0">
+              <a:rPr lang="zh-CN" altLang="en-US" sz="3200" b="1" dirty="0">
                 <a:latin typeface="微软雅黑" panose="020B0503020204020204" pitchFamily="34" charset="-122"/>
                 <a:ea typeface="微软雅黑" panose="020B0503020204020204" pitchFamily="34" charset="-122"/>
               </a:rPr>
-              <a:t>xxx</a:t>
-            </a:r>
+              <a:t>余青松</a:t>
+            </a:r>
+            <a:endParaRPr lang="en-US" altLang="zh-CN" sz="3200" b="1" dirty="0">
+              <a:latin typeface="微软雅黑" panose="020B0503020204020204" pitchFamily="34" charset="-122"/>
+              <a:ea typeface="微软雅黑" panose="020B0503020204020204" pitchFamily="34" charset="-122"/>
+            </a:endParaRPr>
           </a:p>
           <a:p>
             <a:pPr algn="ctr"/>
@@ -3173,7 +3180,7 @@
         <p:spPr>
           <a:xfrm>
             <a:off x="6312024" y="2348880"/>
-            <a:ext cx="5616624" cy="753220"/>
+            <a:ext cx="5616624" cy="1791965"/>
           </a:xfrm>
           <a:prstGeom prst="rect">
             <a:avLst/>
@@ -3212,7 +3219,7 @@
                 <a:ea typeface="微软雅黑" panose="020B0503020204020204" pitchFamily="34" charset="-122"/>
                 <a:cs typeface="Arial" panose="020B0604020202020204" pitchFamily="34" charset="0"/>
               </a:rPr>
-              <a:t>xxx</a:t>
+              <a:t>YANG</a:t>
             </a:r>
             <a:r>
               <a:rPr lang="zh-CN" altLang="en-US" b="1" dirty="0">
@@ -3220,7 +3227,7 @@
                 <a:ea typeface="微软雅黑" panose="020B0503020204020204" pitchFamily="34" charset="-122"/>
                 <a:cs typeface="Arial" panose="020B0604020202020204" pitchFamily="34" charset="0"/>
               </a:rPr>
-              <a:t>；</a:t>
+              <a:t>模型验证；</a:t>
             </a:r>
             <a:endParaRPr lang="en-US" altLang="zh-CN" b="1" dirty="0">
               <a:latin typeface="微软雅黑" panose="020B0503020204020204" pitchFamily="34" charset="-122"/>
@@ -3229,43 +3236,69 @@
             </a:endParaRPr>
           </a:p>
           <a:p>
+            <a:pPr marL="285750" indent="-285750">
+              <a:lnSpc>
+                <a:spcPct val="125000"/>
+              </a:lnSpc>
+              <a:buFont typeface="Arial" panose="020B0604020202020204" pitchFamily="34" charset="0"/>
+              <a:buChar char="•"/>
+            </a:pPr>
+            <a:r>
+              <a:rPr lang="zh-CN" altLang="en-US" b="1" dirty="0">
+                <a:latin typeface="微软雅黑" panose="020B0503020204020204" pitchFamily="34" charset="-122"/>
+                <a:ea typeface="微软雅黑" panose="020B0503020204020204" pitchFamily="34" charset="-122"/>
+                <a:cs typeface="Arial" panose="020B0604020202020204" pitchFamily="34" charset="0"/>
+              </a:rPr>
+              <a:t>服务器搭建</a:t>
+            </a:r>
+            <a:endParaRPr lang="en-US" altLang="zh-CN" b="1" dirty="0">
+              <a:latin typeface="微软雅黑" panose="020B0503020204020204" pitchFamily="34" charset="-122"/>
+              <a:ea typeface="微软雅黑" panose="020B0503020204020204" pitchFamily="34" charset="-122"/>
+              <a:cs typeface="Arial" panose="020B0604020202020204" pitchFamily="34" charset="0"/>
+            </a:endParaRPr>
+          </a:p>
+          <a:p>
+            <a:pPr marL="285750" indent="-285750">
+              <a:lnSpc>
+                <a:spcPct val="125000"/>
+              </a:lnSpc>
+              <a:buFont typeface="Arial" panose="020B0604020202020204" pitchFamily="34" charset="0"/>
+              <a:buChar char="•"/>
+            </a:pPr>
+            <a:r>
+              <a:rPr lang="zh-CN" altLang="en-US" b="1" dirty="0">
+                <a:latin typeface="微软雅黑" panose="020B0503020204020204" pitchFamily="34" charset="-122"/>
+                <a:ea typeface="微软雅黑" panose="020B0503020204020204" pitchFamily="34" charset="-122"/>
+                <a:cs typeface="Arial" panose="020B0604020202020204" pitchFamily="34" charset="0"/>
+              </a:rPr>
+              <a:t>测试客户端</a:t>
+            </a:r>
+            <a:endParaRPr lang="en-US" altLang="zh-CN" b="1" dirty="0">
+              <a:latin typeface="微软雅黑" panose="020B0503020204020204" pitchFamily="34" charset="-122"/>
+              <a:ea typeface="微软雅黑" panose="020B0503020204020204" pitchFamily="34" charset="-122"/>
+              <a:cs typeface="Arial" panose="020B0604020202020204" pitchFamily="34" charset="0"/>
+            </a:endParaRPr>
+          </a:p>
+          <a:p>
+            <a:pPr marL="285750" indent="-285750">
+              <a:lnSpc>
+                <a:spcPct val="125000"/>
+              </a:lnSpc>
+              <a:buFont typeface="Arial" panose="020B0604020202020204" pitchFamily="34" charset="0"/>
+              <a:buChar char="•"/>
+            </a:pPr>
+            <a:endParaRPr lang="en-US" altLang="zh-CN" b="1" dirty="0">
+              <a:latin typeface="微软雅黑" panose="020B0503020204020204" pitchFamily="34" charset="-122"/>
+              <a:ea typeface="微软雅黑" panose="020B0503020204020204" pitchFamily="34" charset="-122"/>
+              <a:cs typeface="Arial" panose="020B0604020202020204" pitchFamily="34" charset="0"/>
+            </a:endParaRPr>
+          </a:p>
+          <a:p>
             <a:pPr>
               <a:lnSpc>
                 <a:spcPct val="125000"/>
               </a:lnSpc>
             </a:pPr>
-            <a:r>
-              <a:rPr lang="en-US" altLang="zh-CN" b="1" dirty="0">
-                <a:latin typeface="微软雅黑" panose="020B0503020204020204" pitchFamily="34" charset="-122"/>
-                <a:ea typeface="微软雅黑" panose="020B0503020204020204" pitchFamily="34" charset="-122"/>
-                <a:cs typeface="Arial" panose="020B0604020202020204" pitchFamily="34" charset="0"/>
-              </a:rPr>
-              <a:t>2</a:t>
-            </a:r>
-            <a:r>
-              <a:rPr lang="zh-CN" altLang="en-US" b="1" dirty="0">
-                <a:latin typeface="微软雅黑" panose="020B0503020204020204" pitchFamily="34" charset="-122"/>
-                <a:ea typeface="微软雅黑" panose="020B0503020204020204" pitchFamily="34" charset="-122"/>
-                <a:cs typeface="Arial" panose="020B0604020202020204" pitchFamily="34" charset="0"/>
-              </a:rPr>
-              <a:t>、</a:t>
-            </a:r>
-            <a:r>
-              <a:rPr lang="en-US" altLang="zh-CN" b="1" dirty="0">
-                <a:latin typeface="微软雅黑" panose="020B0503020204020204" pitchFamily="34" charset="-122"/>
-                <a:ea typeface="微软雅黑" panose="020B0503020204020204" pitchFamily="34" charset="-122"/>
-                <a:cs typeface="Arial" panose="020B0604020202020204" pitchFamily="34" charset="0"/>
-              </a:rPr>
-              <a:t>xxx</a:t>
-            </a:r>
-            <a:r>
-              <a:rPr lang="zh-CN" altLang="en-US" b="1" dirty="0">
-                <a:latin typeface="微软雅黑" panose="020B0503020204020204" pitchFamily="34" charset="-122"/>
-                <a:ea typeface="微软雅黑" panose="020B0503020204020204" pitchFamily="34" charset="-122"/>
-                <a:cs typeface="Arial" panose="020B0604020202020204" pitchFamily="34" charset="0"/>
-              </a:rPr>
-              <a:t>。</a:t>
-            </a:r>
             <a:endParaRPr lang="en-US" altLang="zh-CN" b="1" dirty="0">
               <a:latin typeface="微软雅黑" panose="020B0503020204020204" pitchFamily="34" charset="-122"/>
               <a:ea typeface="微软雅黑" panose="020B0503020204020204" pitchFamily="34" charset="-122"/>
@@ -3328,7 +3361,7 @@
                 <a:ea typeface="微软雅黑" panose="020B0503020204020204" pitchFamily="34" charset="-122"/>
                 <a:cs typeface="Arial" panose="020B0604020202020204" pitchFamily="34" charset="0"/>
               </a:rPr>
-              <a:t>xxx</a:t>
+              <a:t>YANG</a:t>
             </a:r>
             <a:r>
               <a:rPr lang="zh-CN" altLang="en-US" b="1" dirty="0">
@@ -3336,7 +3369,7 @@
                 <a:ea typeface="微软雅黑" panose="020B0503020204020204" pitchFamily="34" charset="-122"/>
                 <a:cs typeface="Arial" panose="020B0604020202020204" pitchFamily="34" charset="0"/>
               </a:rPr>
-              <a:t>；</a:t>
+              <a:t>模型验证；</a:t>
             </a:r>
             <a:endParaRPr lang="en-US" altLang="zh-CN" b="1" dirty="0">
               <a:latin typeface="微软雅黑" panose="020B0503020204020204" pitchFamily="34" charset="-122"/>
@@ -3350,38 +3383,6 @@
                 <a:spcPct val="125000"/>
               </a:lnSpc>
             </a:pPr>
-            <a:r>
-              <a:rPr lang="en-US" altLang="zh-CN" b="1" dirty="0">
-                <a:latin typeface="微软雅黑" panose="020B0503020204020204" pitchFamily="34" charset="-122"/>
-                <a:ea typeface="微软雅黑" panose="020B0503020204020204" pitchFamily="34" charset="-122"/>
-                <a:cs typeface="Arial" panose="020B0604020202020204" pitchFamily="34" charset="0"/>
-              </a:rPr>
-              <a:t>2</a:t>
-            </a:r>
-            <a:r>
-              <a:rPr lang="zh-CN" altLang="en-US" b="1" dirty="0">
-                <a:latin typeface="微软雅黑" panose="020B0503020204020204" pitchFamily="34" charset="-122"/>
-                <a:ea typeface="微软雅黑" panose="020B0503020204020204" pitchFamily="34" charset="-122"/>
-                <a:cs typeface="Arial" panose="020B0604020202020204" pitchFamily="34" charset="0"/>
-              </a:rPr>
-              <a:t>、</a:t>
-            </a:r>
-            <a:r>
-              <a:rPr lang="en-US" altLang="zh-CN" b="1" dirty="0">
-                <a:latin typeface="微软雅黑" panose="020B0503020204020204" pitchFamily="34" charset="-122"/>
-                <a:ea typeface="微软雅黑" panose="020B0503020204020204" pitchFamily="34" charset="-122"/>
-                <a:cs typeface="Arial" panose="020B0604020202020204" pitchFamily="34" charset="0"/>
-              </a:rPr>
-              <a:t>xxx</a:t>
-            </a:r>
-            <a:r>
-              <a:rPr lang="zh-CN" altLang="en-US" b="1" dirty="0">
-                <a:latin typeface="微软雅黑" panose="020B0503020204020204" pitchFamily="34" charset="-122"/>
-                <a:ea typeface="微软雅黑" panose="020B0503020204020204" pitchFamily="34" charset="-122"/>
-                <a:cs typeface="Arial" panose="020B0604020202020204" pitchFamily="34" charset="0"/>
-              </a:rPr>
-              <a:t>。</a:t>
-            </a:r>
             <a:endParaRPr lang="en-US" altLang="zh-CN" b="1" dirty="0">
               <a:latin typeface="微软雅黑" panose="020B0503020204020204" pitchFamily="34" charset="-122"/>
               <a:ea typeface="微软雅黑" panose="020B0503020204020204" pitchFamily="34" charset="-122"/>
@@ -3479,6 +3480,194 @@
           </a:p>
         </p:txBody>
       </p:sp>
+      <p:sp>
+        <p:nvSpPr>
+          <p:cNvPr id="4" name="文本框 3">
+            <a:extLst>
+              <a:ext uri="{FF2B5EF4-FFF2-40B4-BE49-F238E27FC236}">
+                <a16:creationId xmlns:a16="http://schemas.microsoft.com/office/drawing/2014/main" id="{AA0A8E4C-96C7-49D0-8404-EE356ACB5F22}"/>
+              </a:ext>
+            </a:extLst>
+          </p:cNvPr>
+          <p:cNvSpPr txBox="1"/>
+          <p:nvPr/>
+        </p:nvSpPr>
+        <p:spPr>
+          <a:xfrm>
+            <a:off x="695400" y="2060848"/>
+            <a:ext cx="6336704" cy="3693319"/>
+          </a:xfrm>
+          <a:prstGeom prst="rect">
+            <a:avLst/>
+          </a:prstGeom>
+          <a:noFill/>
+        </p:spPr>
+        <p:txBody>
+          <a:bodyPr wrap="square" rtlCol="0">
+            <a:spAutoFit/>
+          </a:bodyPr>
+          <a:lstStyle/>
+          <a:p>
+            <a:r>
+              <a:rPr lang="zh-CN" altLang="en-US" dirty="0"/>
+              <a:t>需要一个杨模型验证方法：</a:t>
+            </a:r>
+            <a:endParaRPr lang="en-US" altLang="zh-CN" dirty="0"/>
+          </a:p>
+          <a:p>
+            <a:pPr marL="285750" indent="-285750">
+              <a:buFont typeface="Arial" panose="020B0604020202020204" pitchFamily="34" charset="0"/>
+              <a:buChar char="•"/>
+            </a:pPr>
+            <a:r>
+              <a:rPr lang="zh-CN" altLang="en-US" dirty="0"/>
+              <a:t>支持</a:t>
+            </a:r>
+            <a:r>
+              <a:rPr lang="en-US" altLang="zh-CN" dirty="0" err="1"/>
+              <a:t>netconfig</a:t>
+            </a:r>
+            <a:endParaRPr lang="en-US" altLang="zh-CN" dirty="0"/>
+          </a:p>
+          <a:p>
+            <a:pPr marL="285750" indent="-285750">
+              <a:buFont typeface="Arial" panose="020B0604020202020204" pitchFamily="34" charset="0"/>
+              <a:buChar char="•"/>
+            </a:pPr>
+            <a:r>
+              <a:rPr lang="zh-CN" altLang="en-US" dirty="0"/>
+              <a:t>支持数据存储</a:t>
+            </a:r>
+            <a:endParaRPr lang="en-US" altLang="zh-CN" dirty="0"/>
+          </a:p>
+          <a:p>
+            <a:pPr marL="285750" indent="-285750">
+              <a:buFont typeface="Arial" panose="020B0604020202020204" pitchFamily="34" charset="0"/>
+              <a:buChar char="•"/>
+            </a:pPr>
+            <a:r>
+              <a:rPr lang="en-US" altLang="zh-CN" dirty="0"/>
+              <a:t>c./s</a:t>
+            </a:r>
+            <a:r>
+              <a:rPr lang="zh-CN" altLang="en-US" dirty="0"/>
+              <a:t>架构</a:t>
+            </a:r>
+            <a:endParaRPr lang="en-US" altLang="zh-CN" dirty="0"/>
+          </a:p>
+          <a:p>
+            <a:pPr marL="285750" indent="-285750">
+              <a:buFont typeface="Arial" panose="020B0604020202020204" pitchFamily="34" charset="0"/>
+              <a:buChar char="•"/>
+            </a:pPr>
+            <a:endParaRPr lang="en-US" altLang="zh-CN" dirty="0"/>
+          </a:p>
+          <a:p>
+            <a:pPr marL="285750" indent="-285750">
+              <a:buFont typeface="Arial" panose="020B0604020202020204" pitchFamily="34" charset="0"/>
+              <a:buChar char="•"/>
+            </a:pPr>
+            <a:endParaRPr lang="en-US" altLang="zh-CN" dirty="0"/>
+          </a:p>
+          <a:p>
+            <a:pPr marL="285750" indent="-285750">
+              <a:buFont typeface="Arial" panose="020B0604020202020204" pitchFamily="34" charset="0"/>
+              <a:buChar char="•"/>
+            </a:pPr>
+            <a:r>
+              <a:rPr lang="zh-CN" altLang="en-US" dirty="0"/>
+              <a:t>方案</a:t>
+            </a:r>
+            <a:r>
+              <a:rPr lang="en-US" altLang="zh-CN" dirty="0"/>
+              <a:t>1</a:t>
+            </a:r>
+            <a:r>
+              <a:rPr lang="zh-CN" altLang="en-US" dirty="0"/>
+              <a:t>：</a:t>
+            </a:r>
+            <a:r>
+              <a:rPr lang="en-US" altLang="zh-CN" dirty="0"/>
+              <a:t>OPENDAYLIGHT </a:t>
+            </a:r>
+          </a:p>
+          <a:p>
+            <a:pPr marL="742950" lvl="1" indent="-285750">
+              <a:buFont typeface="Arial" panose="020B0604020202020204" pitchFamily="34" charset="0"/>
+              <a:buChar char="•"/>
+            </a:pPr>
+            <a:r>
+              <a:rPr lang="en-US" altLang="zh-CN" dirty="0" err="1"/>
+              <a:t>Opendaylight</a:t>
+            </a:r>
+            <a:r>
+              <a:rPr lang="zh-CN" altLang="en-US" dirty="0"/>
+              <a:t>开源、支持</a:t>
+            </a:r>
+            <a:r>
+              <a:rPr lang="en-US" altLang="zh-CN" dirty="0" err="1"/>
+              <a:t>netconfig</a:t>
+            </a:r>
+            <a:r>
+              <a:rPr lang="zh-CN" altLang="en-US" dirty="0"/>
+              <a:t>协议、支持</a:t>
+            </a:r>
+            <a:r>
+              <a:rPr lang="en-US" altLang="zh-CN" dirty="0"/>
+              <a:t>YANG</a:t>
+            </a:r>
+            <a:r>
+              <a:rPr lang="zh-CN" altLang="en-US" dirty="0"/>
+              <a:t>模型、支持虚拟设备挂载</a:t>
+            </a:r>
+            <a:endParaRPr lang="en-US" altLang="zh-CN" dirty="0"/>
+          </a:p>
+          <a:p>
+            <a:pPr marL="742950" lvl="1" indent="-285750">
+              <a:buFont typeface="Arial" panose="020B0604020202020204" pitchFamily="34" charset="0"/>
+              <a:buChar char="•"/>
+            </a:pPr>
+            <a:r>
+              <a:rPr lang="zh-CN" altLang="en-US" dirty="0"/>
+              <a:t>主流</a:t>
+            </a:r>
+            <a:r>
+              <a:rPr lang="en-US" altLang="zh-CN" dirty="0"/>
+              <a:t>SDN</a:t>
+            </a:r>
+            <a:r>
+              <a:rPr lang="zh-CN" altLang="en-US" dirty="0"/>
+              <a:t>框架，模块化支持二次开发</a:t>
+            </a:r>
+            <a:endParaRPr lang="en-US" altLang="zh-CN" dirty="0"/>
+          </a:p>
+          <a:p>
+            <a:pPr marL="742950" lvl="1" indent="-285750">
+              <a:buFont typeface="Arial" panose="020B0604020202020204" pitchFamily="34" charset="0"/>
+              <a:buChar char="•"/>
+            </a:pPr>
+            <a:endParaRPr lang="en-US" altLang="zh-CN" dirty="0"/>
+          </a:p>
+          <a:p>
+            <a:pPr marL="742950" lvl="1" indent="-285750">
+              <a:buFont typeface="Arial" panose="020B0604020202020204" pitchFamily="34" charset="0"/>
+              <a:buChar char="•"/>
+            </a:pPr>
+            <a:endParaRPr lang="en-US" altLang="zh-CN" dirty="0"/>
+          </a:p>
+          <a:p>
+            <a:pPr marL="742950" lvl="1" indent="-285750">
+              <a:buFont typeface="Arial" panose="020B0604020202020204" pitchFamily="34" charset="0"/>
+              <a:buChar char="•"/>
+            </a:pPr>
+            <a:r>
+              <a:rPr lang="zh-CN" altLang="en-US" dirty="0"/>
+              <a:t>不足：框架过于庞大、文档长时间未更新，难上手</a:t>
+            </a:r>
+            <a:endParaRPr lang="en-US" altLang="zh-CN" dirty="0"/>
+          </a:p>
+        </p:txBody>
+      </p:sp>
     </p:spTree>
     <p:extLst>
       <p:ext uri="{BB962C8B-B14F-4D97-AF65-F5344CB8AC3E}">
@@ -3524,13 +3713,1810 @@
           <a:bodyPr/>
           <a:lstStyle/>
           <a:p>
+            <a:pPr marL="0" marR="0" lvl="0" indent="0" algn="r" defTabSz="914400" rtl="0" eaLnBrk="1" fontAlgn="base" latinLnBrk="0" hangingPunct="1">
+              <a:lnSpc>
+                <a:spcPct val="100000"/>
+              </a:lnSpc>
+              <a:spcBef>
+                <a:spcPct val="0"/>
+              </a:spcBef>
+              <a:spcAft>
+                <a:spcPct val="0"/>
+              </a:spcAft>
+              <a:buClrTx/>
+              <a:buSzTx/>
+              <a:buFontTx/>
+              <a:buNone/>
+              <a:tabLst/>
+              <a:defRPr/>
+            </a:pPr>
+            <a:r>
+              <a:rPr kumimoji="0" lang="en-US" altLang="zh-CN" sz="1600" b="1" i="1" u="none" strike="noStrike" kern="1200" cap="none" spc="0" normalizeH="0" baseline="0" noProof="0">
+                <a:ln>
+                  <a:noFill/>
+                </a:ln>
+                <a:solidFill>
+                  <a:prstClr val="black"/>
+                </a:solidFill>
+                <a:effectLst/>
+                <a:uLnTx/>
+                <a:uFillTx/>
+                <a:latin typeface="Times New Roman" panose="02020603050405020304" pitchFamily="18" charset="0"/>
+                <a:ea typeface="宋体" pitchFamily="2" charset="-122"/>
+                <a:cs typeface="Times New Roman" panose="02020603050405020304" pitchFamily="18" charset="0"/>
+              </a:rPr>
+              <a:t>BUPT  </a:t>
+            </a:r>
+            <a:fld id="{9BF53DAA-D39D-4AAA-A2E6-030A53B2611E}" type="slidenum">
+              <a:rPr kumimoji="0" lang="zh-CN" altLang="en-US" sz="1600" b="1" i="1" u="none" strike="noStrike" kern="1200" cap="none" spc="0" normalizeH="0" baseline="0" noProof="0" smtClean="0">
+                <a:ln>
+                  <a:noFill/>
+                </a:ln>
+                <a:solidFill>
+                  <a:prstClr val="black"/>
+                </a:solidFill>
+                <a:effectLst/>
+                <a:uLnTx/>
+                <a:uFillTx/>
+                <a:latin typeface="Times New Roman" panose="02020603050405020304" pitchFamily="18" charset="0"/>
+                <a:ea typeface="宋体" pitchFamily="2" charset="-122"/>
+                <a:cs typeface="Times New Roman" panose="02020603050405020304" pitchFamily="18" charset="0"/>
+              </a:rPr>
+              <a:pPr marL="0" marR="0" lvl="0" indent="0" algn="r" defTabSz="914400" rtl="0" eaLnBrk="1" fontAlgn="base" latinLnBrk="0" hangingPunct="1">
+                <a:lnSpc>
+                  <a:spcPct val="100000"/>
+                </a:lnSpc>
+                <a:spcBef>
+                  <a:spcPct val="0"/>
+                </a:spcBef>
+                <a:spcAft>
+                  <a:spcPct val="0"/>
+                </a:spcAft>
+                <a:buClrTx/>
+                <a:buSzTx/>
+                <a:buFontTx/>
+                <a:buNone/>
+                <a:tabLst/>
+                <a:defRPr/>
+              </a:pPr>
+              <a:t>5</a:t>
+            </a:fld>
+            <a:endParaRPr kumimoji="0" lang="zh-CN" altLang="en-US" sz="1600" b="1" i="1" u="none" strike="noStrike" kern="1200" cap="none" spc="0" normalizeH="0" baseline="0" noProof="0" dirty="0">
+              <a:ln>
+                <a:noFill/>
+              </a:ln>
+              <a:solidFill>
+                <a:prstClr val="black"/>
+              </a:solidFill>
+              <a:effectLst/>
+              <a:uLnTx/>
+              <a:uFillTx/>
+              <a:latin typeface="Times New Roman" panose="02020603050405020304" pitchFamily="18" charset="0"/>
+              <a:ea typeface="宋体" pitchFamily="2" charset="-122"/>
+              <a:cs typeface="Times New Roman" panose="02020603050405020304" pitchFamily="18" charset="0"/>
+            </a:endParaRPr>
+          </a:p>
+        </p:txBody>
+      </p:sp>
+      <p:sp>
+        <p:nvSpPr>
+          <p:cNvPr id="3" name="文本框 2"/>
+          <p:cNvSpPr txBox="1"/>
+          <p:nvPr/>
+        </p:nvSpPr>
+        <p:spPr>
+          <a:xfrm>
+            <a:off x="479376" y="871489"/>
+            <a:ext cx="3467616" cy="584775"/>
+          </a:xfrm>
+          <a:prstGeom prst="rect">
+            <a:avLst/>
+          </a:prstGeom>
+          <a:noFill/>
+        </p:spPr>
+        <p:txBody>
+          <a:bodyPr wrap="none" rtlCol="0">
+            <a:spAutoFit/>
+          </a:bodyPr>
+          <a:lstStyle/>
+          <a:p>
+            <a:pPr marL="0" marR="0" lvl="0" indent="0" algn="l" defTabSz="914400" rtl="0" eaLnBrk="1" fontAlgn="base" latinLnBrk="0" hangingPunct="1">
+              <a:lnSpc>
+                <a:spcPct val="100000"/>
+              </a:lnSpc>
+              <a:spcBef>
+                <a:spcPct val="0"/>
+              </a:spcBef>
+              <a:spcAft>
+                <a:spcPct val="0"/>
+              </a:spcAft>
+              <a:buClrTx/>
+              <a:buSzTx/>
+              <a:buFontTx/>
+              <a:buNone/>
+              <a:tabLst/>
+              <a:defRPr/>
+            </a:pPr>
+            <a:r>
+              <a:rPr kumimoji="0" lang="zh-CN" altLang="en-US" sz="3200" b="1" i="0" u="none" strike="noStrike" kern="1200" cap="none" spc="0" normalizeH="0" baseline="0" noProof="0" dirty="0">
+                <a:ln>
+                  <a:noFill/>
+                </a:ln>
+                <a:solidFill>
+                  <a:prstClr val="black"/>
+                </a:solidFill>
+                <a:effectLst/>
+                <a:uLnTx/>
+                <a:uFillTx/>
+                <a:latin typeface="微软雅黑" panose="020B0503020204020204" pitchFamily="34" charset="-122"/>
+                <a:ea typeface="微软雅黑" panose="020B0503020204020204" pitchFamily="34" charset="-122"/>
+                <a:cs typeface="+mn-cs"/>
+              </a:rPr>
+              <a:t>二、本周工作内容</a:t>
+            </a:r>
+          </a:p>
+        </p:txBody>
+      </p:sp>
+      <p:sp>
+        <p:nvSpPr>
+          <p:cNvPr id="4" name="文本框 3">
+            <a:extLst>
+              <a:ext uri="{FF2B5EF4-FFF2-40B4-BE49-F238E27FC236}">
+                <a16:creationId xmlns:a16="http://schemas.microsoft.com/office/drawing/2014/main" id="{AA0A8E4C-96C7-49D0-8404-EE356ACB5F22}"/>
+              </a:ext>
+            </a:extLst>
+          </p:cNvPr>
+          <p:cNvSpPr txBox="1"/>
+          <p:nvPr/>
+        </p:nvSpPr>
+        <p:spPr>
+          <a:xfrm>
+            <a:off x="695399" y="2060848"/>
+            <a:ext cx="11065229" cy="2862322"/>
+          </a:xfrm>
+          <a:prstGeom prst="rect">
+            <a:avLst/>
+          </a:prstGeom>
+          <a:noFill/>
+        </p:spPr>
+        <p:txBody>
+          <a:bodyPr wrap="square" rtlCol="0">
+            <a:spAutoFit/>
+          </a:bodyPr>
+          <a:lstStyle/>
+          <a:p>
+            <a:pPr marL="285750" marR="0" lvl="0" indent="-285750" algn="l" defTabSz="914400" rtl="0" eaLnBrk="1" fontAlgn="base" latinLnBrk="0" hangingPunct="1">
+              <a:lnSpc>
+                <a:spcPct val="100000"/>
+              </a:lnSpc>
+              <a:spcBef>
+                <a:spcPct val="0"/>
+              </a:spcBef>
+              <a:spcAft>
+                <a:spcPct val="0"/>
+              </a:spcAft>
+              <a:buClrTx/>
+              <a:buSzTx/>
+              <a:buFont typeface="Arial" panose="020B0604020202020204" pitchFamily="34" charset="0"/>
+              <a:buChar char="•"/>
+              <a:tabLst/>
+              <a:defRPr/>
+            </a:pPr>
+            <a:r>
+              <a:rPr kumimoji="0" lang="zh-CN" altLang="en-US" sz="1800" b="0" i="0" u="none" strike="noStrike" kern="1200" cap="none" spc="0" normalizeH="0" baseline="0" noProof="0" dirty="0">
+                <a:ln>
+                  <a:noFill/>
+                </a:ln>
+                <a:solidFill>
+                  <a:prstClr val="black"/>
+                </a:solidFill>
+                <a:effectLst/>
+                <a:uLnTx/>
+                <a:uFillTx/>
+                <a:latin typeface="Arial" pitchFamily="34" charset="0"/>
+                <a:ea typeface="宋体" pitchFamily="2" charset="-122"/>
+                <a:cs typeface="+mn-cs"/>
+              </a:rPr>
+              <a:t>方案</a:t>
+            </a:r>
+            <a:r>
+              <a:rPr kumimoji="0" lang="en-US" altLang="zh-CN" sz="1800" b="0" i="0" u="none" strike="noStrike" kern="1200" cap="none" spc="0" normalizeH="0" baseline="0" noProof="0" dirty="0">
+                <a:ln>
+                  <a:noFill/>
+                </a:ln>
+                <a:solidFill>
+                  <a:prstClr val="black"/>
+                </a:solidFill>
+                <a:effectLst/>
+                <a:uLnTx/>
+                <a:uFillTx/>
+                <a:latin typeface="Arial" pitchFamily="34" charset="0"/>
+                <a:ea typeface="宋体" pitchFamily="2" charset="-122"/>
+                <a:cs typeface="+mn-cs"/>
+              </a:rPr>
+              <a:t>2</a:t>
+            </a:r>
+            <a:r>
+              <a:rPr kumimoji="0" lang="zh-CN" altLang="en-US" sz="1800" b="0" i="0" u="none" strike="noStrike" kern="1200" cap="none" spc="0" normalizeH="0" baseline="0" noProof="0" dirty="0">
+                <a:ln>
+                  <a:noFill/>
+                </a:ln>
+                <a:solidFill>
+                  <a:prstClr val="black"/>
+                </a:solidFill>
+                <a:effectLst/>
+                <a:uLnTx/>
+                <a:uFillTx/>
+                <a:latin typeface="Arial" pitchFamily="34" charset="0"/>
+                <a:ea typeface="宋体" pitchFamily="2" charset="-122"/>
+                <a:cs typeface="+mn-cs"/>
+              </a:rPr>
+              <a:t>：</a:t>
+            </a:r>
+            <a:r>
+              <a:rPr kumimoji="0" lang="en-US" altLang="zh-CN" sz="1800" b="0" i="0" u="none" strike="noStrike" kern="1200" cap="none" spc="0" normalizeH="0" baseline="0" noProof="0" dirty="0">
+                <a:ln>
+                  <a:noFill/>
+                </a:ln>
+                <a:solidFill>
+                  <a:prstClr val="black"/>
+                </a:solidFill>
+                <a:effectLst/>
+                <a:uLnTx/>
+                <a:uFillTx/>
+                <a:latin typeface="Arial" pitchFamily="34" charset="0"/>
+                <a:ea typeface="宋体" pitchFamily="2" charset="-122"/>
+                <a:cs typeface="+mn-cs"/>
+              </a:rPr>
+              <a:t>netopeer2</a:t>
+            </a:r>
+          </a:p>
+          <a:p>
+            <a:pPr marL="742950" lvl="1" indent="-285750">
+              <a:buFont typeface="Arial" panose="020B0604020202020204" pitchFamily="34" charset="0"/>
+              <a:buChar char="•"/>
+            </a:pPr>
+            <a:r>
+              <a:rPr lang="en-US" altLang="zh-CN" dirty="0">
+                <a:solidFill>
+                  <a:prstClr val="black"/>
+                </a:solidFill>
+              </a:rPr>
+              <a:t>	</a:t>
+            </a:r>
+            <a:r>
+              <a:rPr lang="zh-CN" altLang="en-US" dirty="0">
+                <a:solidFill>
+                  <a:prstClr val="black"/>
+                </a:solidFill>
+              </a:rPr>
+              <a:t>基于</a:t>
+            </a:r>
+            <a:r>
+              <a:rPr lang="en-US" altLang="zh-CN" dirty="0">
+                <a:solidFill>
+                  <a:prstClr val="black"/>
+                </a:solidFill>
+              </a:rPr>
+              <a:t>NETCONF</a:t>
+            </a:r>
+            <a:r>
+              <a:rPr lang="zh-CN" altLang="en-US" dirty="0">
+                <a:solidFill>
+                  <a:prstClr val="black"/>
+                </a:solidFill>
+              </a:rPr>
+              <a:t>协议实现网络配置管理的服务器。</a:t>
+            </a:r>
+            <a:r>
+              <a:rPr lang="en-US" altLang="zh-CN" dirty="0">
+                <a:solidFill>
+                  <a:prstClr val="black"/>
+                </a:solidFill>
+              </a:rPr>
+              <a:t>Netopeer2 </a:t>
+            </a:r>
+            <a:r>
+              <a:rPr lang="zh-CN" altLang="en-US" dirty="0">
+                <a:solidFill>
+                  <a:prstClr val="black"/>
+                </a:solidFill>
+              </a:rPr>
+              <a:t>基于新一代的 </a:t>
+            </a:r>
+            <a:r>
+              <a:rPr lang="en-US" altLang="zh-CN" dirty="0">
+                <a:solidFill>
+                  <a:prstClr val="black"/>
+                </a:solidFill>
+              </a:rPr>
+              <a:t>NETCONF </a:t>
+            </a:r>
+            <a:r>
+              <a:rPr lang="zh-CN" altLang="en-US" dirty="0">
+                <a:solidFill>
+                  <a:prstClr val="black"/>
+                </a:solidFill>
+              </a:rPr>
+              <a:t>和 </a:t>
+            </a:r>
+            <a:r>
+              <a:rPr lang="en-US" altLang="zh-CN" dirty="0">
+                <a:solidFill>
+                  <a:prstClr val="black"/>
+                </a:solidFill>
+              </a:rPr>
+              <a:t>YANG </a:t>
+            </a:r>
+            <a:r>
+              <a:rPr lang="zh-CN" altLang="en-US" dirty="0">
+                <a:solidFill>
+                  <a:prstClr val="black"/>
+                </a:solidFill>
+              </a:rPr>
+              <a:t>库 </a:t>
+            </a:r>
+            <a:r>
+              <a:rPr lang="en-US" altLang="zh-CN" dirty="0">
+                <a:solidFill>
+                  <a:prstClr val="black"/>
+                </a:solidFill>
+              </a:rPr>
+              <a:t>- </a:t>
+            </a:r>
+            <a:r>
+              <a:rPr lang="en-US" altLang="zh-CN" dirty="0" err="1">
+                <a:solidFill>
+                  <a:prstClr val="black"/>
+                </a:solidFill>
+              </a:rPr>
+              <a:t>libyang</a:t>
+            </a:r>
+            <a:r>
+              <a:rPr lang="zh-CN" altLang="en-US" dirty="0">
+                <a:solidFill>
+                  <a:prstClr val="black"/>
+                </a:solidFill>
+              </a:rPr>
+              <a:t>和</a:t>
+            </a:r>
+            <a:r>
+              <a:rPr lang="en-US" altLang="zh-CN" dirty="0">
+                <a:solidFill>
+                  <a:prstClr val="black"/>
+                </a:solidFill>
+              </a:rPr>
+              <a:t>libnetconf2</a:t>
+            </a:r>
+            <a:r>
+              <a:rPr lang="zh-CN" altLang="en-US" dirty="0">
+                <a:solidFill>
+                  <a:prstClr val="black"/>
+                </a:solidFill>
+              </a:rPr>
+              <a:t>。</a:t>
+            </a:r>
+            <a:r>
+              <a:rPr lang="en-US" altLang="zh-CN" dirty="0">
+                <a:solidFill>
+                  <a:prstClr val="black"/>
+                </a:solidFill>
+              </a:rPr>
+              <a:t>Netopeer2 </a:t>
+            </a:r>
+            <a:r>
+              <a:rPr lang="zh-CN" altLang="en-US" dirty="0">
+                <a:solidFill>
+                  <a:prstClr val="black"/>
+                </a:solidFill>
+              </a:rPr>
+              <a:t>服务器使用</a:t>
+            </a:r>
+            <a:r>
+              <a:rPr lang="en-US" altLang="zh-CN" dirty="0" err="1">
+                <a:solidFill>
+                  <a:prstClr val="black"/>
+                </a:solidFill>
+              </a:rPr>
+              <a:t>sysrepo</a:t>
+            </a:r>
+            <a:r>
+              <a:rPr lang="zh-CN" altLang="en-US" dirty="0">
+                <a:solidFill>
+                  <a:prstClr val="black"/>
+                </a:solidFill>
+              </a:rPr>
+              <a:t>作为 </a:t>
+            </a:r>
+            <a:r>
+              <a:rPr lang="en-US" altLang="zh-CN" dirty="0">
+                <a:solidFill>
+                  <a:prstClr val="black"/>
+                </a:solidFill>
+              </a:rPr>
+              <a:t>NETCONF </a:t>
+            </a:r>
+            <a:r>
+              <a:rPr lang="zh-CN" altLang="en-US" dirty="0">
+                <a:solidFill>
+                  <a:prstClr val="black"/>
+                </a:solidFill>
+              </a:rPr>
+              <a:t>数据存储实现。</a:t>
+            </a:r>
+            <a:endParaRPr lang="en-US" altLang="zh-CN" dirty="0">
+              <a:solidFill>
+                <a:prstClr val="black"/>
+              </a:solidFill>
+            </a:endParaRPr>
+          </a:p>
+          <a:p>
+            <a:pPr marL="742950" lvl="1" indent="-285750">
+              <a:buFont typeface="Arial" panose="020B0604020202020204" pitchFamily="34" charset="0"/>
+              <a:buChar char="•"/>
+            </a:pPr>
+            <a:r>
+              <a:rPr kumimoji="0" lang="zh-CN" altLang="en-US" b="0" i="0" u="none" strike="noStrike" kern="1200" cap="none" spc="0" normalizeH="0" baseline="0" noProof="0" dirty="0">
+                <a:ln>
+                  <a:noFill/>
+                </a:ln>
+                <a:solidFill>
+                  <a:prstClr val="black"/>
+                </a:solidFill>
+                <a:effectLst/>
+                <a:uLnTx/>
+                <a:uFillTx/>
+                <a:latin typeface="Arial" pitchFamily="34" charset="0"/>
+                <a:ea typeface="宋体" pitchFamily="2" charset="-122"/>
+                <a:cs typeface="+mn-cs"/>
+              </a:rPr>
+              <a:t>依赖</a:t>
+            </a:r>
+            <a:endParaRPr kumimoji="0" lang="en-US" altLang="zh-CN" b="0" i="0" u="none" strike="noStrike" kern="1200" cap="none" spc="0" normalizeH="0" baseline="0" noProof="0" dirty="0">
+              <a:ln>
+                <a:noFill/>
+              </a:ln>
+              <a:solidFill>
+                <a:prstClr val="black"/>
+              </a:solidFill>
+              <a:effectLst/>
+              <a:uLnTx/>
+              <a:uFillTx/>
+              <a:latin typeface="Arial" pitchFamily="34" charset="0"/>
+              <a:ea typeface="宋体" pitchFamily="2" charset="-122"/>
+              <a:cs typeface="+mn-cs"/>
+            </a:endParaRPr>
+          </a:p>
+          <a:p>
+            <a:pPr marL="1200150" lvl="2" indent="-285750">
+              <a:buFont typeface="Arial" panose="020B0604020202020204" pitchFamily="34" charset="0"/>
+              <a:buChar char="•"/>
+            </a:pPr>
+            <a:r>
+              <a:rPr lang="en-US" altLang="zh-CN" dirty="0" err="1"/>
+              <a:t>Libyang</a:t>
+            </a:r>
+            <a:r>
+              <a:rPr lang="en-US" altLang="zh-CN" dirty="0">
+                <a:solidFill>
+                  <a:prstClr val="black"/>
+                </a:solidFill>
+              </a:rPr>
+              <a:t>--</a:t>
+            </a:r>
+            <a:r>
+              <a:rPr lang="en-US" altLang="zh-CN" dirty="0"/>
+              <a:t>YANG </a:t>
+            </a:r>
+            <a:r>
+              <a:rPr lang="zh-CN" altLang="en-US" dirty="0"/>
+              <a:t>数据建模语言解析器和工具包</a:t>
+            </a:r>
+            <a:endParaRPr lang="en-US" altLang="zh-CN" dirty="0"/>
+          </a:p>
+          <a:p>
+            <a:pPr marL="1200150" lvl="2" indent="-285750">
+              <a:buFont typeface="Arial" panose="020B0604020202020204" pitchFamily="34" charset="0"/>
+              <a:buChar char="•"/>
+            </a:pPr>
+            <a:r>
+              <a:rPr lang="en-US" altLang="zh-CN" dirty="0">
+                <a:solidFill>
+                  <a:prstClr val="black"/>
+                </a:solidFill>
+              </a:rPr>
+              <a:t>Libnetconf2--</a:t>
+            </a:r>
+            <a:r>
+              <a:rPr lang="zh-CN" altLang="en-US" dirty="0"/>
+              <a:t> </a:t>
+            </a:r>
+            <a:r>
+              <a:rPr lang="en-US" altLang="zh-CN" dirty="0"/>
+              <a:t>C</a:t>
+            </a:r>
+            <a:r>
+              <a:rPr lang="zh-CN" altLang="en-US" dirty="0"/>
+              <a:t>语言的 </a:t>
+            </a:r>
+            <a:r>
+              <a:rPr lang="en-US" altLang="zh-CN" dirty="0"/>
+              <a:t>NETCONF </a:t>
+            </a:r>
+            <a:r>
+              <a:rPr lang="zh-CN" altLang="en-US" dirty="0"/>
+              <a:t>库，用于处理 </a:t>
+            </a:r>
+            <a:r>
+              <a:rPr lang="en-US" altLang="zh-CN" dirty="0"/>
+              <a:t>NETCONF </a:t>
+            </a:r>
+            <a:r>
+              <a:rPr lang="zh-CN" altLang="en-US" dirty="0"/>
+              <a:t>身份验证以及服务器和客户端的所有 </a:t>
+            </a:r>
+            <a:r>
+              <a:rPr lang="en-US" altLang="zh-CN" dirty="0"/>
+              <a:t>NETCONF RPC </a:t>
+            </a:r>
+            <a:r>
+              <a:rPr lang="zh-CN" altLang="en-US" dirty="0"/>
+              <a:t>通信</a:t>
+            </a:r>
+            <a:endParaRPr lang="en-US" altLang="zh-CN" dirty="0"/>
+          </a:p>
+          <a:p>
+            <a:pPr marL="1200150" lvl="2" indent="-285750">
+              <a:buFont typeface="Arial" panose="020B0604020202020204" pitchFamily="34" charset="0"/>
+              <a:buChar char="•"/>
+            </a:pPr>
+            <a:r>
+              <a:rPr lang="en-US" altLang="zh-CN" dirty="0" err="1">
+                <a:solidFill>
+                  <a:prstClr val="black"/>
+                </a:solidFill>
+              </a:rPr>
+              <a:t>Sysrepo</a:t>
+            </a:r>
+            <a:r>
+              <a:rPr lang="en-US" altLang="zh-CN" dirty="0">
+                <a:solidFill>
+                  <a:prstClr val="black"/>
+                </a:solidFill>
+              </a:rPr>
+              <a:t>--</a:t>
+            </a:r>
+            <a:r>
+              <a:rPr lang="zh-CN" altLang="en-US" dirty="0">
+                <a:solidFill>
+                  <a:prstClr val="black"/>
+                </a:solidFill>
+              </a:rPr>
+              <a:t>一个基于</a:t>
+            </a:r>
+            <a:r>
+              <a:rPr lang="en-US" altLang="zh-CN" dirty="0">
+                <a:solidFill>
+                  <a:prstClr val="black"/>
+                </a:solidFill>
+              </a:rPr>
+              <a:t>YANG</a:t>
+            </a:r>
+            <a:r>
+              <a:rPr lang="zh-CN" altLang="en-US" dirty="0">
+                <a:solidFill>
+                  <a:prstClr val="black"/>
+                </a:solidFill>
+              </a:rPr>
+              <a:t>模型的配置和操作数据库，为应用程序提供一致的操作数据的接口</a:t>
+            </a:r>
+            <a:r>
+              <a:rPr lang="en-US" altLang="zh-CN" dirty="0">
+                <a:solidFill>
+                  <a:prstClr val="black"/>
+                </a:solidFill>
+              </a:rPr>
+              <a:t>,</a:t>
+            </a:r>
+            <a:r>
+              <a:rPr lang="zh-CN" altLang="en-US" dirty="0">
+                <a:solidFill>
+                  <a:prstClr val="black"/>
+                </a:solidFill>
+              </a:rPr>
+              <a:t>不需要应用程序直接操作配置文件</a:t>
+            </a:r>
+            <a:endParaRPr kumimoji="0" lang="en-US" altLang="zh-CN" b="0" i="0" u="none" strike="noStrike" kern="1200" cap="none" spc="0" normalizeH="0" baseline="0" noProof="0" dirty="0">
+              <a:ln>
+                <a:noFill/>
+              </a:ln>
+              <a:solidFill>
+                <a:prstClr val="black"/>
+              </a:solidFill>
+              <a:effectLst/>
+              <a:uLnTx/>
+              <a:uFillTx/>
+              <a:latin typeface="Arial" pitchFamily="34" charset="0"/>
+              <a:ea typeface="宋体" pitchFamily="2" charset="-122"/>
+              <a:cs typeface="+mn-cs"/>
+            </a:endParaRPr>
+          </a:p>
+          <a:p>
+            <a:pPr marL="742950" lvl="1" indent="-285750">
+              <a:buFont typeface="Arial" panose="020B0604020202020204" pitchFamily="34" charset="0"/>
+              <a:buChar char="•"/>
+            </a:pPr>
+            <a:endParaRPr kumimoji="0" lang="en-US" altLang="zh-CN" b="0" i="0" u="none" strike="noStrike" kern="1200" cap="none" spc="0" normalizeH="0" baseline="0" noProof="0" dirty="0">
+              <a:ln>
+                <a:noFill/>
+              </a:ln>
+              <a:solidFill>
+                <a:prstClr val="black"/>
+              </a:solidFill>
+              <a:effectLst/>
+              <a:uLnTx/>
+              <a:uFillTx/>
+              <a:latin typeface="Arial" pitchFamily="34" charset="0"/>
+              <a:ea typeface="宋体" pitchFamily="2" charset="-122"/>
+              <a:cs typeface="+mn-cs"/>
+            </a:endParaRPr>
+          </a:p>
+        </p:txBody>
+      </p:sp>
+    </p:spTree>
+    <p:extLst>
+      <p:ext uri="{BB962C8B-B14F-4D97-AF65-F5344CB8AC3E}">
+        <p14:creationId xmlns:p14="http://schemas.microsoft.com/office/powerpoint/2010/main" val="2266635486"/>
+      </p:ext>
+    </p:extLst>
+  </p:cSld>
+  <p:clrMapOvr>
+    <a:masterClrMapping/>
+  </p:clrMapOvr>
+</p:sld>
+</file>
+
+<file path=ppt/slides/slide6.xml><?xml version="1.0" encoding="utf-8"?>
+<p:sld xmlns:a="http://schemas.openxmlformats.org/drawingml/2006/main" xmlns:r="http://schemas.openxmlformats.org/officeDocument/2006/relationships" xmlns:p="http://schemas.openxmlformats.org/presentationml/2006/main">
+  <p:cSld>
+    <p:spTree>
+      <p:nvGrpSpPr>
+        <p:cNvPr id="1" name=""/>
+        <p:cNvGrpSpPr/>
+        <p:nvPr/>
+      </p:nvGrpSpPr>
+      <p:grpSpPr>
+        <a:xfrm>
+          <a:off x="0" y="0"/>
+          <a:ext cx="0" cy="0"/>
+          <a:chOff x="0" y="0"/>
+          <a:chExt cx="0" cy="0"/>
+        </a:xfrm>
+      </p:grpSpPr>
+      <p:pic>
+        <p:nvPicPr>
+          <p:cNvPr id="5" name="图片 4">
+            <a:extLst>
+              <a:ext uri="{FF2B5EF4-FFF2-40B4-BE49-F238E27FC236}">
+                <a16:creationId xmlns:a16="http://schemas.microsoft.com/office/drawing/2014/main" id="{BE0CF859-503B-42D6-AD02-C9AB1BE89A5C}"/>
+              </a:ext>
+            </a:extLst>
+          </p:cNvPr>
+          <p:cNvPicPr/>
+          <p:nvPr/>
+        </p:nvPicPr>
+        <p:blipFill>
+          <a:blip r:embed="rId2"/>
+          <a:stretch>
+            <a:fillRect/>
+          </a:stretch>
+        </p:blipFill>
+        <p:spPr>
+          <a:xfrm>
+            <a:off x="7626399" y="790376"/>
+            <a:ext cx="4086225" cy="2857500"/>
+          </a:xfrm>
+          <a:prstGeom prst="rect">
+            <a:avLst/>
+          </a:prstGeom>
+        </p:spPr>
+      </p:pic>
+      <p:sp>
+        <p:nvSpPr>
+          <p:cNvPr id="2" name="灯片编号占位符 1"/>
+          <p:cNvSpPr>
+            <a:spLocks noGrp="1"/>
+          </p:cNvSpPr>
+          <p:nvPr>
+            <p:ph type="sldNum" sz="quarter" idx="12"/>
+          </p:nvPr>
+        </p:nvSpPr>
+        <p:spPr/>
+        <p:txBody>
+          <a:bodyPr/>
+          <a:lstStyle/>
+          <a:p>
+            <a:pPr marL="0" marR="0" lvl="0" indent="0" algn="r" defTabSz="914400" rtl="0" eaLnBrk="1" fontAlgn="base" latinLnBrk="0" hangingPunct="1">
+              <a:lnSpc>
+                <a:spcPct val="100000"/>
+              </a:lnSpc>
+              <a:spcBef>
+                <a:spcPct val="0"/>
+              </a:spcBef>
+              <a:spcAft>
+                <a:spcPct val="0"/>
+              </a:spcAft>
+              <a:buClrTx/>
+              <a:buSzTx/>
+              <a:buFontTx/>
+              <a:buNone/>
+              <a:tabLst/>
+              <a:defRPr/>
+            </a:pPr>
+            <a:r>
+              <a:rPr kumimoji="0" lang="en-US" altLang="zh-CN" sz="1600" b="1" i="1" u="none" strike="noStrike" kern="1200" cap="none" spc="0" normalizeH="0" baseline="0" noProof="0">
+                <a:ln>
+                  <a:noFill/>
+                </a:ln>
+                <a:solidFill>
+                  <a:prstClr val="black"/>
+                </a:solidFill>
+                <a:effectLst/>
+                <a:uLnTx/>
+                <a:uFillTx/>
+                <a:latin typeface="Times New Roman" panose="02020603050405020304" pitchFamily="18" charset="0"/>
+                <a:ea typeface="宋体" pitchFamily="2" charset="-122"/>
+                <a:cs typeface="Times New Roman" panose="02020603050405020304" pitchFamily="18" charset="0"/>
+              </a:rPr>
+              <a:t>BUPT  </a:t>
+            </a:r>
+            <a:fld id="{9BF53DAA-D39D-4AAA-A2E6-030A53B2611E}" type="slidenum">
+              <a:rPr kumimoji="0" lang="zh-CN" altLang="en-US" sz="1600" b="1" i="1" u="none" strike="noStrike" kern="1200" cap="none" spc="0" normalizeH="0" baseline="0" noProof="0" smtClean="0">
+                <a:ln>
+                  <a:noFill/>
+                </a:ln>
+                <a:solidFill>
+                  <a:prstClr val="black"/>
+                </a:solidFill>
+                <a:effectLst/>
+                <a:uLnTx/>
+                <a:uFillTx/>
+                <a:latin typeface="Times New Roman" panose="02020603050405020304" pitchFamily="18" charset="0"/>
+                <a:ea typeface="宋体" pitchFamily="2" charset="-122"/>
+                <a:cs typeface="Times New Roman" panose="02020603050405020304" pitchFamily="18" charset="0"/>
+              </a:rPr>
+              <a:pPr marL="0" marR="0" lvl="0" indent="0" algn="r" defTabSz="914400" rtl="0" eaLnBrk="1" fontAlgn="base" latinLnBrk="0" hangingPunct="1">
+                <a:lnSpc>
+                  <a:spcPct val="100000"/>
+                </a:lnSpc>
+                <a:spcBef>
+                  <a:spcPct val="0"/>
+                </a:spcBef>
+                <a:spcAft>
+                  <a:spcPct val="0"/>
+                </a:spcAft>
+                <a:buClrTx/>
+                <a:buSzTx/>
+                <a:buFontTx/>
+                <a:buNone/>
+                <a:tabLst/>
+                <a:defRPr/>
+              </a:pPr>
+              <a:t>6</a:t>
+            </a:fld>
+            <a:endParaRPr kumimoji="0" lang="zh-CN" altLang="en-US" sz="1600" b="1" i="1" u="none" strike="noStrike" kern="1200" cap="none" spc="0" normalizeH="0" baseline="0" noProof="0" dirty="0">
+              <a:ln>
+                <a:noFill/>
+              </a:ln>
+              <a:solidFill>
+                <a:prstClr val="black"/>
+              </a:solidFill>
+              <a:effectLst/>
+              <a:uLnTx/>
+              <a:uFillTx/>
+              <a:latin typeface="Times New Roman" panose="02020603050405020304" pitchFamily="18" charset="0"/>
+              <a:ea typeface="宋体" pitchFamily="2" charset="-122"/>
+              <a:cs typeface="Times New Roman" panose="02020603050405020304" pitchFamily="18" charset="0"/>
+            </a:endParaRPr>
+          </a:p>
+        </p:txBody>
+      </p:sp>
+      <p:sp>
+        <p:nvSpPr>
+          <p:cNvPr id="3" name="文本框 2"/>
+          <p:cNvSpPr txBox="1"/>
+          <p:nvPr/>
+        </p:nvSpPr>
+        <p:spPr>
+          <a:xfrm>
+            <a:off x="479376" y="871489"/>
+            <a:ext cx="3467616" cy="584775"/>
+          </a:xfrm>
+          <a:prstGeom prst="rect">
+            <a:avLst/>
+          </a:prstGeom>
+          <a:noFill/>
+        </p:spPr>
+        <p:txBody>
+          <a:bodyPr wrap="none" rtlCol="0">
+            <a:spAutoFit/>
+          </a:bodyPr>
+          <a:lstStyle/>
+          <a:p>
+            <a:pPr marL="0" marR="0" lvl="0" indent="0" algn="l" defTabSz="914400" rtl="0" eaLnBrk="1" fontAlgn="base" latinLnBrk="0" hangingPunct="1">
+              <a:lnSpc>
+                <a:spcPct val="100000"/>
+              </a:lnSpc>
+              <a:spcBef>
+                <a:spcPct val="0"/>
+              </a:spcBef>
+              <a:spcAft>
+                <a:spcPct val="0"/>
+              </a:spcAft>
+              <a:buClrTx/>
+              <a:buSzTx/>
+              <a:buFontTx/>
+              <a:buNone/>
+              <a:tabLst/>
+              <a:defRPr/>
+            </a:pPr>
+            <a:r>
+              <a:rPr kumimoji="0" lang="zh-CN" altLang="en-US" sz="3200" b="1" i="0" u="none" strike="noStrike" kern="1200" cap="none" spc="0" normalizeH="0" baseline="0" noProof="0" dirty="0">
+                <a:ln>
+                  <a:noFill/>
+                </a:ln>
+                <a:solidFill>
+                  <a:prstClr val="black"/>
+                </a:solidFill>
+                <a:effectLst/>
+                <a:uLnTx/>
+                <a:uFillTx/>
+                <a:latin typeface="微软雅黑" panose="020B0503020204020204" pitchFamily="34" charset="-122"/>
+                <a:ea typeface="微软雅黑" panose="020B0503020204020204" pitchFamily="34" charset="-122"/>
+                <a:cs typeface="+mn-cs"/>
+              </a:rPr>
+              <a:t>二、本周工作内容</a:t>
+            </a:r>
+          </a:p>
+        </p:txBody>
+      </p:sp>
+      <p:sp>
+        <p:nvSpPr>
+          <p:cNvPr id="4" name="文本框 3">
+            <a:extLst>
+              <a:ext uri="{FF2B5EF4-FFF2-40B4-BE49-F238E27FC236}">
+                <a16:creationId xmlns:a16="http://schemas.microsoft.com/office/drawing/2014/main" id="{AA0A8E4C-96C7-49D0-8404-EE356ACB5F22}"/>
+              </a:ext>
+            </a:extLst>
+          </p:cNvPr>
+          <p:cNvSpPr txBox="1"/>
+          <p:nvPr/>
+        </p:nvSpPr>
+        <p:spPr>
+          <a:xfrm>
+            <a:off x="695399" y="2060848"/>
+            <a:ext cx="6696745" cy="2862322"/>
+          </a:xfrm>
+          <a:prstGeom prst="rect">
+            <a:avLst/>
+          </a:prstGeom>
+          <a:noFill/>
+        </p:spPr>
+        <p:txBody>
+          <a:bodyPr wrap="square" rtlCol="0">
+            <a:spAutoFit/>
+          </a:bodyPr>
+          <a:lstStyle/>
+          <a:p>
+            <a:pPr lvl="1"/>
+            <a:r>
+              <a:rPr kumimoji="0" lang="zh-CN" altLang="en-US" b="0" i="0" u="none" strike="noStrike" kern="1200" cap="none" spc="0" normalizeH="0" baseline="0" noProof="0" dirty="0">
+                <a:ln>
+                  <a:noFill/>
+                </a:ln>
+                <a:solidFill>
+                  <a:prstClr val="black"/>
+                </a:solidFill>
+                <a:effectLst/>
+                <a:uLnTx/>
+                <a:uFillTx/>
+                <a:latin typeface="Arial" pitchFamily="34" charset="0"/>
+                <a:ea typeface="宋体" pitchFamily="2" charset="-122"/>
+                <a:cs typeface="+mn-cs"/>
+              </a:rPr>
+              <a:t>使用</a:t>
+            </a:r>
+            <a:r>
+              <a:rPr kumimoji="0" lang="en-US" altLang="zh-CN" b="0" i="0" u="none" strike="noStrike" kern="1200" cap="none" spc="0" normalizeH="0" baseline="0" noProof="0" dirty="0" err="1">
+                <a:ln>
+                  <a:noFill/>
+                </a:ln>
+                <a:solidFill>
+                  <a:prstClr val="black"/>
+                </a:solidFill>
+                <a:effectLst/>
+                <a:uLnTx/>
+                <a:uFillTx/>
+                <a:latin typeface="Arial" pitchFamily="34" charset="0"/>
+                <a:ea typeface="宋体" pitchFamily="2" charset="-122"/>
+                <a:cs typeface="+mn-cs"/>
+              </a:rPr>
+              <a:t>netopeer</a:t>
+            </a:r>
+            <a:r>
+              <a:rPr kumimoji="0" lang="zh-CN" altLang="en-US" b="0" i="0" u="none" strike="noStrike" kern="1200" cap="none" spc="0" normalizeH="0" baseline="0" noProof="0" dirty="0">
+                <a:ln>
+                  <a:noFill/>
+                </a:ln>
+                <a:solidFill>
+                  <a:prstClr val="black"/>
+                </a:solidFill>
+                <a:effectLst/>
+                <a:uLnTx/>
+                <a:uFillTx/>
+                <a:latin typeface="Arial" pitchFamily="34" charset="0"/>
+                <a:ea typeface="宋体" pitchFamily="2" charset="-122"/>
+                <a:cs typeface="+mn-cs"/>
+              </a:rPr>
+              <a:t>搭建了一个</a:t>
+            </a:r>
+            <a:r>
+              <a:rPr kumimoji="0" lang="en-US" altLang="zh-CN" b="0" i="0" u="none" strike="noStrike" kern="1200" cap="none" spc="0" normalizeH="0" baseline="0" noProof="0" dirty="0" err="1">
+                <a:ln>
+                  <a:noFill/>
+                </a:ln>
+                <a:solidFill>
+                  <a:prstClr val="black"/>
+                </a:solidFill>
+                <a:effectLst/>
+                <a:uLnTx/>
+                <a:uFillTx/>
+                <a:latin typeface="Arial" pitchFamily="34" charset="0"/>
+                <a:ea typeface="宋体" pitchFamily="2" charset="-122"/>
+                <a:cs typeface="+mn-cs"/>
+              </a:rPr>
+              <a:t>netconfig</a:t>
+            </a:r>
+            <a:r>
+              <a:rPr kumimoji="0" lang="zh-CN" altLang="en-US" b="0" i="0" u="none" strike="noStrike" kern="1200" cap="none" spc="0" normalizeH="0" baseline="0" noProof="0" dirty="0">
+                <a:ln>
+                  <a:noFill/>
+                </a:ln>
+                <a:solidFill>
+                  <a:prstClr val="black"/>
+                </a:solidFill>
+                <a:effectLst/>
+                <a:uLnTx/>
+                <a:uFillTx/>
+                <a:latin typeface="Arial" pitchFamily="34" charset="0"/>
+                <a:ea typeface="宋体" pitchFamily="2" charset="-122"/>
+                <a:cs typeface="+mn-cs"/>
+              </a:rPr>
+              <a:t>服务器，使用</a:t>
+            </a:r>
+            <a:r>
+              <a:rPr kumimoji="0" lang="en-US" altLang="zh-CN" b="0" i="0" u="none" strike="noStrike" kern="1200" cap="none" spc="0" normalizeH="0" baseline="0" noProof="0" dirty="0" err="1">
+                <a:ln>
+                  <a:noFill/>
+                </a:ln>
+                <a:solidFill>
+                  <a:prstClr val="black"/>
+                </a:solidFill>
+                <a:effectLst/>
+                <a:uLnTx/>
+                <a:uFillTx/>
+                <a:latin typeface="Arial" pitchFamily="34" charset="0"/>
+                <a:ea typeface="宋体" pitchFamily="2" charset="-122"/>
+                <a:cs typeface="+mn-cs"/>
+              </a:rPr>
+              <a:t>sysrepo</a:t>
+            </a:r>
+            <a:r>
+              <a:rPr kumimoji="0" lang="zh-CN" altLang="en-US" b="0" i="0" u="none" strike="noStrike" kern="1200" cap="none" spc="0" normalizeH="0" baseline="0" noProof="0" dirty="0">
+                <a:ln>
+                  <a:noFill/>
+                </a:ln>
+                <a:solidFill>
+                  <a:prstClr val="black"/>
+                </a:solidFill>
+                <a:effectLst/>
+                <a:uLnTx/>
+                <a:uFillTx/>
+                <a:latin typeface="Arial" pitchFamily="34" charset="0"/>
+                <a:ea typeface="宋体" pitchFamily="2" charset="-122"/>
+                <a:cs typeface="+mn-cs"/>
+              </a:rPr>
+              <a:t>做数据存储</a:t>
+            </a:r>
+            <a:endParaRPr kumimoji="0" lang="en-US" altLang="zh-CN" b="0" i="0" u="none" strike="noStrike" kern="1200" cap="none" spc="0" normalizeH="0" baseline="0" noProof="0" dirty="0">
+              <a:ln>
+                <a:noFill/>
+              </a:ln>
+              <a:solidFill>
+                <a:prstClr val="black"/>
+              </a:solidFill>
+              <a:effectLst/>
+              <a:uLnTx/>
+              <a:uFillTx/>
+              <a:latin typeface="Arial" pitchFamily="34" charset="0"/>
+              <a:ea typeface="宋体" pitchFamily="2" charset="-122"/>
+              <a:cs typeface="+mn-cs"/>
+            </a:endParaRPr>
+          </a:p>
+          <a:p>
+            <a:pPr lvl="1"/>
+            <a:r>
+              <a:rPr kumimoji="0" lang="zh-CN" altLang="en-US" b="0" i="0" u="none" strike="noStrike" kern="1200" cap="none" spc="0" normalizeH="0" baseline="0" noProof="0" dirty="0">
+                <a:ln>
+                  <a:noFill/>
+                </a:ln>
+                <a:solidFill>
+                  <a:prstClr val="black"/>
+                </a:solidFill>
+                <a:effectLst/>
+                <a:uLnTx/>
+                <a:uFillTx/>
+                <a:latin typeface="Arial" pitchFamily="34" charset="0"/>
+                <a:ea typeface="宋体" pitchFamily="2" charset="-122"/>
+                <a:cs typeface="+mn-cs"/>
+              </a:rPr>
+              <a:t>主要功能</a:t>
+            </a:r>
+            <a:endParaRPr kumimoji="0" lang="en-US" altLang="zh-CN" b="0" i="0" u="none" strike="noStrike" kern="1200" cap="none" spc="0" normalizeH="0" baseline="0" noProof="0" dirty="0">
+              <a:ln>
+                <a:noFill/>
+              </a:ln>
+              <a:solidFill>
+                <a:prstClr val="black"/>
+              </a:solidFill>
+              <a:effectLst/>
+              <a:uLnTx/>
+              <a:uFillTx/>
+              <a:latin typeface="Arial" pitchFamily="34" charset="0"/>
+              <a:ea typeface="宋体" pitchFamily="2" charset="-122"/>
+              <a:cs typeface="+mn-cs"/>
+            </a:endParaRPr>
+          </a:p>
+          <a:p>
+            <a:pPr marL="800100" lvl="1" indent="-342900">
+              <a:buFont typeface="+mj-lt"/>
+              <a:buAutoNum type="arabicPeriod"/>
+            </a:pPr>
+            <a:r>
+              <a:rPr lang="zh-CN" altLang="en-US" dirty="0">
+                <a:solidFill>
+                  <a:prstClr val="black"/>
+                </a:solidFill>
+              </a:rPr>
+              <a:t>服务器上的</a:t>
+            </a:r>
+            <a:r>
+              <a:rPr lang="en-US" altLang="zh-CN" dirty="0" err="1">
+                <a:solidFill>
+                  <a:prstClr val="black"/>
+                </a:solidFill>
+              </a:rPr>
+              <a:t>Sysrepo</a:t>
+            </a:r>
+            <a:r>
+              <a:rPr lang="zh-CN" altLang="en-US" dirty="0">
+                <a:solidFill>
+                  <a:prstClr val="black"/>
+                </a:solidFill>
+              </a:rPr>
+              <a:t>读取写好的</a:t>
+            </a:r>
+            <a:r>
+              <a:rPr lang="en-US" altLang="zh-CN" dirty="0">
+                <a:solidFill>
+                  <a:prstClr val="black"/>
+                </a:solidFill>
+              </a:rPr>
+              <a:t>yang</a:t>
+            </a:r>
+            <a:r>
+              <a:rPr lang="zh-CN" altLang="en-US" dirty="0">
+                <a:solidFill>
+                  <a:prstClr val="black"/>
+                </a:solidFill>
+              </a:rPr>
+              <a:t>文件，定义配置数据和状态数据以及</a:t>
+            </a:r>
+            <a:r>
+              <a:rPr lang="en-US" altLang="zh-CN" dirty="0" err="1">
+                <a:solidFill>
+                  <a:prstClr val="black"/>
+                </a:solidFill>
+              </a:rPr>
+              <a:t>rpc</a:t>
+            </a:r>
+            <a:r>
+              <a:rPr lang="zh-CN" altLang="en-US" dirty="0">
+                <a:solidFill>
+                  <a:prstClr val="black"/>
+                </a:solidFill>
+              </a:rPr>
+              <a:t>调用</a:t>
+            </a:r>
+            <a:endParaRPr lang="en-US" altLang="zh-CN" dirty="0">
+              <a:solidFill>
+                <a:prstClr val="black"/>
+              </a:solidFill>
+            </a:endParaRPr>
+          </a:p>
+          <a:p>
+            <a:pPr marL="800100" lvl="1" indent="-342900">
+              <a:buFont typeface="+mj-lt"/>
+              <a:buAutoNum type="arabicPeriod"/>
+            </a:pPr>
+            <a:r>
+              <a:rPr kumimoji="0" lang="zh-CN" altLang="en-US" b="0" i="0" u="none" strike="noStrike" kern="1200" cap="none" spc="0" normalizeH="0" baseline="0" noProof="0" dirty="0">
+                <a:ln>
+                  <a:noFill/>
+                </a:ln>
+                <a:solidFill>
+                  <a:prstClr val="black"/>
+                </a:solidFill>
+                <a:effectLst/>
+                <a:uLnTx/>
+                <a:uFillTx/>
+                <a:latin typeface="Arial" pitchFamily="34" charset="0"/>
+                <a:ea typeface="宋体" pitchFamily="2" charset="-122"/>
+                <a:cs typeface="+mn-cs"/>
+              </a:rPr>
+              <a:t>服务器监听</a:t>
+            </a:r>
+            <a:endParaRPr kumimoji="0" lang="en-US" altLang="zh-CN" b="0" i="0" u="none" strike="noStrike" kern="1200" cap="none" spc="0" normalizeH="0" baseline="0" noProof="0" dirty="0">
+              <a:ln>
+                <a:noFill/>
+              </a:ln>
+              <a:solidFill>
+                <a:prstClr val="black"/>
+              </a:solidFill>
+              <a:effectLst/>
+              <a:uLnTx/>
+              <a:uFillTx/>
+              <a:latin typeface="Arial" pitchFamily="34" charset="0"/>
+              <a:ea typeface="宋体" pitchFamily="2" charset="-122"/>
+              <a:cs typeface="+mn-cs"/>
+            </a:endParaRPr>
+          </a:p>
+          <a:p>
+            <a:pPr marL="800100" lvl="1" indent="-342900">
+              <a:buFont typeface="+mj-lt"/>
+              <a:buAutoNum type="arabicPeriod"/>
+            </a:pPr>
+            <a:r>
+              <a:rPr lang="zh-CN" altLang="en-US" dirty="0">
+                <a:solidFill>
+                  <a:prstClr val="black"/>
+                </a:solidFill>
+              </a:rPr>
+              <a:t>客户端连接</a:t>
+            </a:r>
+            <a:endParaRPr lang="en-US" altLang="zh-CN" dirty="0">
+              <a:solidFill>
+                <a:prstClr val="black"/>
+              </a:solidFill>
+            </a:endParaRPr>
+          </a:p>
+          <a:p>
+            <a:pPr marL="800100" lvl="1" indent="-342900">
+              <a:buFont typeface="+mj-lt"/>
+              <a:buAutoNum type="arabicPeriod"/>
+            </a:pPr>
+            <a:r>
+              <a:rPr kumimoji="0" lang="zh-CN" altLang="en-US" b="0" i="0" u="none" strike="noStrike" kern="1200" cap="none" spc="0" normalizeH="0" baseline="0" noProof="0" dirty="0">
+                <a:ln>
+                  <a:noFill/>
+                </a:ln>
+                <a:solidFill>
+                  <a:prstClr val="black"/>
+                </a:solidFill>
+                <a:effectLst/>
+                <a:uLnTx/>
+                <a:uFillTx/>
+                <a:latin typeface="Arial" pitchFamily="34" charset="0"/>
+                <a:ea typeface="宋体" pitchFamily="2" charset="-122"/>
+                <a:cs typeface="+mn-cs"/>
+              </a:rPr>
+              <a:t>客户端使用</a:t>
+            </a:r>
+            <a:r>
+              <a:rPr kumimoji="0" lang="en-US" altLang="zh-CN" b="0" i="0" u="none" strike="noStrike" kern="1200" cap="none" spc="0" normalizeH="0" baseline="0" noProof="0" dirty="0" err="1">
+                <a:ln>
+                  <a:noFill/>
+                </a:ln>
+                <a:solidFill>
+                  <a:prstClr val="black"/>
+                </a:solidFill>
+                <a:effectLst/>
+                <a:uLnTx/>
+                <a:uFillTx/>
+                <a:latin typeface="Arial" pitchFamily="34" charset="0"/>
+                <a:ea typeface="宋体" pitchFamily="2" charset="-122"/>
+                <a:cs typeface="+mn-cs"/>
+              </a:rPr>
+              <a:t>netconfig</a:t>
+            </a:r>
+            <a:r>
+              <a:rPr kumimoji="0" lang="zh-CN" altLang="en-US" b="0" i="0" u="none" strike="noStrike" kern="1200" cap="none" spc="0" normalizeH="0" baseline="0" noProof="0" dirty="0">
+                <a:ln>
+                  <a:noFill/>
+                </a:ln>
+                <a:solidFill>
+                  <a:prstClr val="black"/>
+                </a:solidFill>
+                <a:effectLst/>
+                <a:uLnTx/>
+                <a:uFillTx/>
+                <a:latin typeface="Arial" pitchFamily="34" charset="0"/>
+                <a:ea typeface="宋体" pitchFamily="2" charset="-122"/>
+                <a:cs typeface="+mn-cs"/>
+              </a:rPr>
+              <a:t>定义的接口读取和修改服务器配置数据</a:t>
+            </a:r>
+            <a:endParaRPr kumimoji="0" lang="en-US" altLang="zh-CN" b="0" i="0" u="none" strike="noStrike" kern="1200" cap="none" spc="0" normalizeH="0" baseline="0" noProof="0" dirty="0">
+              <a:ln>
+                <a:noFill/>
+              </a:ln>
+              <a:solidFill>
+                <a:prstClr val="black"/>
+              </a:solidFill>
+              <a:effectLst/>
+              <a:uLnTx/>
+              <a:uFillTx/>
+              <a:latin typeface="Arial" pitchFamily="34" charset="0"/>
+              <a:ea typeface="宋体" pitchFamily="2" charset="-122"/>
+              <a:cs typeface="+mn-cs"/>
+            </a:endParaRPr>
+          </a:p>
+          <a:p>
+            <a:pPr marL="800100" lvl="1" indent="-342900">
+              <a:buFont typeface="+mj-lt"/>
+              <a:buAutoNum type="arabicPeriod"/>
+            </a:pPr>
+            <a:r>
+              <a:rPr lang="zh-CN" altLang="en-US" dirty="0">
+                <a:solidFill>
+                  <a:prstClr val="black"/>
+                </a:solidFill>
+              </a:rPr>
+              <a:t>客户端使用杨文件定义的   </a:t>
+            </a:r>
+            <a:r>
+              <a:rPr lang="en-US" altLang="zh-CN" dirty="0" err="1">
+                <a:solidFill>
+                  <a:prstClr val="black"/>
+                </a:solidFill>
+              </a:rPr>
+              <a:t>rpc</a:t>
+            </a:r>
+            <a:r>
+              <a:rPr lang="zh-CN" altLang="en-US" dirty="0">
+                <a:solidFill>
+                  <a:prstClr val="black"/>
+                </a:solidFill>
+              </a:rPr>
+              <a:t>调用</a:t>
+            </a:r>
+            <a:endParaRPr kumimoji="0" lang="en-US" altLang="zh-CN" b="0" i="0" u="none" strike="noStrike" kern="1200" cap="none" spc="0" normalizeH="0" baseline="0" noProof="0" dirty="0">
+              <a:ln>
+                <a:noFill/>
+              </a:ln>
+              <a:solidFill>
+                <a:prstClr val="black"/>
+              </a:solidFill>
+              <a:effectLst/>
+              <a:uLnTx/>
+              <a:uFillTx/>
+              <a:latin typeface="Arial" pitchFamily="34" charset="0"/>
+              <a:ea typeface="宋体" pitchFamily="2" charset="-122"/>
+              <a:cs typeface="+mn-cs"/>
+            </a:endParaRPr>
+          </a:p>
+        </p:txBody>
+      </p:sp>
+      <p:pic>
+        <p:nvPicPr>
+          <p:cNvPr id="6" name="图片 5">
+            <a:extLst>
+              <a:ext uri="{FF2B5EF4-FFF2-40B4-BE49-F238E27FC236}">
+                <a16:creationId xmlns:a16="http://schemas.microsoft.com/office/drawing/2014/main" id="{081C6870-0BBF-46E0-8CF9-81C0233E5547}"/>
+              </a:ext>
+            </a:extLst>
+          </p:cNvPr>
+          <p:cNvPicPr>
+            <a:picLocks noChangeAspect="1"/>
+          </p:cNvPicPr>
+          <p:nvPr/>
+        </p:nvPicPr>
+        <p:blipFill>
+          <a:blip r:embed="rId3"/>
+          <a:stretch>
+            <a:fillRect/>
+          </a:stretch>
+        </p:blipFill>
+        <p:spPr>
+          <a:xfrm>
+            <a:off x="7392144" y="3723999"/>
+            <a:ext cx="4368485" cy="2585322"/>
+          </a:xfrm>
+          <a:prstGeom prst="rect">
+            <a:avLst/>
+          </a:prstGeom>
+        </p:spPr>
+      </p:pic>
+      <p:sp>
+        <p:nvSpPr>
+          <p:cNvPr id="7" name="矩形: 圆角 6">
+            <a:extLst>
+              <a:ext uri="{FF2B5EF4-FFF2-40B4-BE49-F238E27FC236}">
+                <a16:creationId xmlns:a16="http://schemas.microsoft.com/office/drawing/2014/main" id="{622822BC-54ED-4356-AED1-DA20103FDAB0}"/>
+              </a:ext>
+            </a:extLst>
+          </p:cNvPr>
+          <p:cNvSpPr/>
+          <p:nvPr/>
+        </p:nvSpPr>
+        <p:spPr>
+          <a:xfrm>
+            <a:off x="7600705" y="3718587"/>
+            <a:ext cx="3895896" cy="281065"/>
+          </a:xfrm>
+          <a:prstGeom prst="roundRect">
+            <a:avLst/>
+          </a:prstGeom>
+          <a:noFill/>
+          <a:ln>
+            <a:solidFill>
+              <a:srgbClr val="FF0000"/>
+            </a:solidFill>
+          </a:ln>
+        </p:spPr>
+        <p:style>
+          <a:lnRef idx="2">
+            <a:schemeClr val="accent1">
+              <a:shade val="50000"/>
+            </a:schemeClr>
+          </a:lnRef>
+          <a:fillRef idx="1">
+            <a:schemeClr val="accent1"/>
+          </a:fillRef>
+          <a:effectRef idx="0">
+            <a:schemeClr val="accent1"/>
+          </a:effectRef>
+          <a:fontRef idx="minor">
+            <a:schemeClr val="lt1"/>
+          </a:fontRef>
+        </p:style>
+        <p:txBody>
+          <a:bodyPr rtlCol="0" anchor="ctr"/>
+          <a:lstStyle/>
+          <a:p>
+            <a:pPr algn="ctr"/>
+            <a:endParaRPr lang="zh-CN" altLang="en-US"/>
+          </a:p>
+        </p:txBody>
+      </p:sp>
+      <p:sp>
+        <p:nvSpPr>
+          <p:cNvPr id="9" name="矩形: 圆角 8">
+            <a:extLst>
+              <a:ext uri="{FF2B5EF4-FFF2-40B4-BE49-F238E27FC236}">
+                <a16:creationId xmlns:a16="http://schemas.microsoft.com/office/drawing/2014/main" id="{5BE18433-096F-4BB7-8F39-03CDA87F2886}"/>
+              </a:ext>
+            </a:extLst>
+          </p:cNvPr>
+          <p:cNvSpPr/>
+          <p:nvPr/>
+        </p:nvSpPr>
+        <p:spPr>
+          <a:xfrm>
+            <a:off x="7248128" y="4876128"/>
+            <a:ext cx="3895896" cy="281065"/>
+          </a:xfrm>
+          <a:prstGeom prst="roundRect">
+            <a:avLst/>
+          </a:prstGeom>
+          <a:noFill/>
+          <a:ln>
+            <a:solidFill>
+              <a:srgbClr val="FF0000"/>
+            </a:solidFill>
+          </a:ln>
+        </p:spPr>
+        <p:style>
+          <a:lnRef idx="2">
+            <a:schemeClr val="accent1">
+              <a:shade val="50000"/>
+            </a:schemeClr>
+          </a:lnRef>
+          <a:fillRef idx="1">
+            <a:schemeClr val="accent1"/>
+          </a:fillRef>
+          <a:effectRef idx="0">
+            <a:schemeClr val="accent1"/>
+          </a:effectRef>
+          <a:fontRef idx="minor">
+            <a:schemeClr val="lt1"/>
+          </a:fontRef>
+        </p:style>
+        <p:txBody>
+          <a:bodyPr rtlCol="0" anchor="ctr"/>
+          <a:lstStyle/>
+          <a:p>
+            <a:pPr algn="ctr"/>
+            <a:endParaRPr lang="zh-CN" altLang="en-US"/>
+          </a:p>
+        </p:txBody>
+      </p:sp>
+    </p:spTree>
+    <p:extLst>
+      <p:ext uri="{BB962C8B-B14F-4D97-AF65-F5344CB8AC3E}">
+        <p14:creationId xmlns:p14="http://schemas.microsoft.com/office/powerpoint/2010/main" val="1222339971"/>
+      </p:ext>
+    </p:extLst>
+  </p:cSld>
+  <p:clrMapOvr>
+    <a:masterClrMapping/>
+  </p:clrMapOvr>
+</p:sld>
+</file>
+
+<file path=ppt/slides/slide7.xml><?xml version="1.0" encoding="utf-8"?>
+<p:sld xmlns:a="http://schemas.openxmlformats.org/drawingml/2006/main" xmlns:r="http://schemas.openxmlformats.org/officeDocument/2006/relationships" xmlns:p="http://schemas.openxmlformats.org/presentationml/2006/main">
+  <p:cSld>
+    <p:spTree>
+      <p:nvGrpSpPr>
+        <p:cNvPr id="1" name=""/>
+        <p:cNvGrpSpPr/>
+        <p:nvPr/>
+      </p:nvGrpSpPr>
+      <p:grpSpPr>
+        <a:xfrm>
+          <a:off x="0" y="0"/>
+          <a:ext cx="0" cy="0"/>
+          <a:chOff x="0" y="0"/>
+          <a:chExt cx="0" cy="0"/>
+        </a:xfrm>
+      </p:grpSpPr>
+      <p:sp>
+        <p:nvSpPr>
+          <p:cNvPr id="2" name="灯片编号占位符 1"/>
+          <p:cNvSpPr>
+            <a:spLocks noGrp="1"/>
+          </p:cNvSpPr>
+          <p:nvPr>
+            <p:ph type="sldNum" sz="quarter" idx="12"/>
+          </p:nvPr>
+        </p:nvSpPr>
+        <p:spPr/>
+        <p:txBody>
+          <a:bodyPr/>
+          <a:lstStyle/>
+          <a:p>
+            <a:pPr marL="0" marR="0" lvl="0" indent="0" algn="r" defTabSz="914400" rtl="0" eaLnBrk="1" fontAlgn="base" latinLnBrk="0" hangingPunct="1">
+              <a:lnSpc>
+                <a:spcPct val="100000"/>
+              </a:lnSpc>
+              <a:spcBef>
+                <a:spcPct val="0"/>
+              </a:spcBef>
+              <a:spcAft>
+                <a:spcPct val="0"/>
+              </a:spcAft>
+              <a:buClrTx/>
+              <a:buSzTx/>
+              <a:buFontTx/>
+              <a:buNone/>
+              <a:tabLst/>
+              <a:defRPr/>
+            </a:pPr>
+            <a:r>
+              <a:rPr kumimoji="0" lang="en-US" altLang="zh-CN" sz="1600" b="1" i="1" u="none" strike="noStrike" kern="1200" cap="none" spc="0" normalizeH="0" baseline="0" noProof="0">
+                <a:ln>
+                  <a:noFill/>
+                </a:ln>
+                <a:solidFill>
+                  <a:prstClr val="black"/>
+                </a:solidFill>
+                <a:effectLst/>
+                <a:uLnTx/>
+                <a:uFillTx/>
+                <a:latin typeface="Times New Roman" panose="02020603050405020304" pitchFamily="18" charset="0"/>
+                <a:ea typeface="宋体" pitchFamily="2" charset="-122"/>
+                <a:cs typeface="Times New Roman" panose="02020603050405020304" pitchFamily="18" charset="0"/>
+              </a:rPr>
+              <a:t>BUPT  </a:t>
+            </a:r>
+            <a:fld id="{9BF53DAA-D39D-4AAA-A2E6-030A53B2611E}" type="slidenum">
+              <a:rPr kumimoji="0" lang="zh-CN" altLang="en-US" sz="1600" b="1" i="1" u="none" strike="noStrike" kern="1200" cap="none" spc="0" normalizeH="0" baseline="0" noProof="0" smtClean="0">
+                <a:ln>
+                  <a:noFill/>
+                </a:ln>
+                <a:solidFill>
+                  <a:prstClr val="black"/>
+                </a:solidFill>
+                <a:effectLst/>
+                <a:uLnTx/>
+                <a:uFillTx/>
+                <a:latin typeface="Times New Roman" panose="02020603050405020304" pitchFamily="18" charset="0"/>
+                <a:ea typeface="宋体" pitchFamily="2" charset="-122"/>
+                <a:cs typeface="Times New Roman" panose="02020603050405020304" pitchFamily="18" charset="0"/>
+              </a:rPr>
+              <a:pPr marL="0" marR="0" lvl="0" indent="0" algn="r" defTabSz="914400" rtl="0" eaLnBrk="1" fontAlgn="base" latinLnBrk="0" hangingPunct="1">
+                <a:lnSpc>
+                  <a:spcPct val="100000"/>
+                </a:lnSpc>
+                <a:spcBef>
+                  <a:spcPct val="0"/>
+                </a:spcBef>
+                <a:spcAft>
+                  <a:spcPct val="0"/>
+                </a:spcAft>
+                <a:buClrTx/>
+                <a:buSzTx/>
+                <a:buFontTx/>
+                <a:buNone/>
+                <a:tabLst/>
+                <a:defRPr/>
+              </a:pPr>
+              <a:t>7</a:t>
+            </a:fld>
+            <a:endParaRPr kumimoji="0" lang="zh-CN" altLang="en-US" sz="1600" b="1" i="1" u="none" strike="noStrike" kern="1200" cap="none" spc="0" normalizeH="0" baseline="0" noProof="0" dirty="0">
+              <a:ln>
+                <a:noFill/>
+              </a:ln>
+              <a:solidFill>
+                <a:prstClr val="black"/>
+              </a:solidFill>
+              <a:effectLst/>
+              <a:uLnTx/>
+              <a:uFillTx/>
+              <a:latin typeface="Times New Roman" panose="02020603050405020304" pitchFamily="18" charset="0"/>
+              <a:ea typeface="宋体" pitchFamily="2" charset="-122"/>
+              <a:cs typeface="Times New Roman" panose="02020603050405020304" pitchFamily="18" charset="0"/>
+            </a:endParaRPr>
+          </a:p>
+        </p:txBody>
+      </p:sp>
+      <p:sp>
+        <p:nvSpPr>
+          <p:cNvPr id="3" name="文本框 2"/>
+          <p:cNvSpPr txBox="1"/>
+          <p:nvPr/>
+        </p:nvSpPr>
+        <p:spPr>
+          <a:xfrm>
+            <a:off x="479376" y="871489"/>
+            <a:ext cx="3467616" cy="584775"/>
+          </a:xfrm>
+          <a:prstGeom prst="rect">
+            <a:avLst/>
+          </a:prstGeom>
+          <a:noFill/>
+        </p:spPr>
+        <p:txBody>
+          <a:bodyPr wrap="none" rtlCol="0">
+            <a:spAutoFit/>
+          </a:bodyPr>
+          <a:lstStyle/>
+          <a:p>
+            <a:pPr marL="0" marR="0" lvl="0" indent="0" algn="l" defTabSz="914400" rtl="0" eaLnBrk="1" fontAlgn="base" latinLnBrk="0" hangingPunct="1">
+              <a:lnSpc>
+                <a:spcPct val="100000"/>
+              </a:lnSpc>
+              <a:spcBef>
+                <a:spcPct val="0"/>
+              </a:spcBef>
+              <a:spcAft>
+                <a:spcPct val="0"/>
+              </a:spcAft>
+              <a:buClrTx/>
+              <a:buSzTx/>
+              <a:buFontTx/>
+              <a:buNone/>
+              <a:tabLst/>
+              <a:defRPr/>
+            </a:pPr>
+            <a:r>
+              <a:rPr kumimoji="0" lang="zh-CN" altLang="en-US" sz="3200" b="1" i="0" u="none" strike="noStrike" kern="1200" cap="none" spc="0" normalizeH="0" baseline="0" noProof="0" dirty="0">
+                <a:ln>
+                  <a:noFill/>
+                </a:ln>
+                <a:solidFill>
+                  <a:prstClr val="black"/>
+                </a:solidFill>
+                <a:effectLst/>
+                <a:uLnTx/>
+                <a:uFillTx/>
+                <a:latin typeface="微软雅黑" panose="020B0503020204020204" pitchFamily="34" charset="-122"/>
+                <a:ea typeface="微软雅黑" panose="020B0503020204020204" pitchFamily="34" charset="-122"/>
+                <a:cs typeface="+mn-cs"/>
+              </a:rPr>
+              <a:t>二、本周工作内容</a:t>
+            </a:r>
+          </a:p>
+        </p:txBody>
+      </p:sp>
+      <p:pic>
+        <p:nvPicPr>
+          <p:cNvPr id="5" name="图片 4">
+            <a:extLst>
+              <a:ext uri="{FF2B5EF4-FFF2-40B4-BE49-F238E27FC236}">
+                <a16:creationId xmlns:a16="http://schemas.microsoft.com/office/drawing/2014/main" id="{3EF7F3D9-D558-4F3D-BC74-B7AF6953BF8D}"/>
+              </a:ext>
+            </a:extLst>
+          </p:cNvPr>
+          <p:cNvPicPr>
+            <a:picLocks noChangeAspect="1"/>
+          </p:cNvPicPr>
+          <p:nvPr/>
+        </p:nvPicPr>
+        <p:blipFill>
+          <a:blip r:embed="rId2"/>
+          <a:stretch>
+            <a:fillRect/>
+          </a:stretch>
+        </p:blipFill>
+        <p:spPr>
+          <a:xfrm>
+            <a:off x="263352" y="1700808"/>
+            <a:ext cx="4164490" cy="3258721"/>
+          </a:xfrm>
+          <a:prstGeom prst="rect">
+            <a:avLst/>
+          </a:prstGeom>
+        </p:spPr>
+      </p:pic>
+      <p:sp>
+        <p:nvSpPr>
+          <p:cNvPr id="6" name="文本框 5">
+            <a:extLst>
+              <a:ext uri="{FF2B5EF4-FFF2-40B4-BE49-F238E27FC236}">
+                <a16:creationId xmlns:a16="http://schemas.microsoft.com/office/drawing/2014/main" id="{869C5472-8DC3-43EF-A5CC-B191D0C24B70}"/>
+              </a:ext>
+            </a:extLst>
+          </p:cNvPr>
+          <p:cNvSpPr txBox="1"/>
+          <p:nvPr/>
+        </p:nvSpPr>
+        <p:spPr>
+          <a:xfrm>
+            <a:off x="4583832" y="2406838"/>
+            <a:ext cx="4824536" cy="923330"/>
+          </a:xfrm>
+          <a:prstGeom prst="rect">
+            <a:avLst/>
+          </a:prstGeom>
+          <a:noFill/>
+        </p:spPr>
+        <p:txBody>
+          <a:bodyPr wrap="square" rtlCol="0">
+            <a:spAutoFit/>
+          </a:bodyPr>
+          <a:lstStyle/>
+          <a:p>
+            <a:r>
+              <a:rPr lang="zh-CN" altLang="en-US" dirty="0"/>
+              <a:t>使用</a:t>
+            </a:r>
+            <a:r>
+              <a:rPr lang="en-US" altLang="zh-CN" dirty="0" err="1"/>
+              <a:t>yumabench</a:t>
+            </a:r>
+            <a:r>
+              <a:rPr lang="en-US" altLang="zh-CN" dirty="0"/>
+              <a:t>(</a:t>
+            </a:r>
+            <a:r>
+              <a:rPr lang="zh-CN" altLang="en-US" dirty="0"/>
+              <a:t>免费的</a:t>
+            </a:r>
+            <a:r>
+              <a:rPr lang="en-US" altLang="zh-CN" dirty="0" err="1"/>
+              <a:t>netconfig</a:t>
+            </a:r>
+            <a:r>
+              <a:rPr lang="zh-CN" altLang="en-US" dirty="0"/>
+              <a:t>客户端</a:t>
+            </a:r>
+            <a:r>
+              <a:rPr lang="en-US" altLang="zh-CN" dirty="0"/>
+              <a:t>)</a:t>
+            </a:r>
+            <a:r>
+              <a:rPr lang="zh-CN" altLang="en-US" dirty="0"/>
+              <a:t>，测试了</a:t>
+            </a:r>
+            <a:r>
+              <a:rPr lang="en-US" altLang="zh-CN" dirty="0"/>
+              <a:t>netopeer2</a:t>
+            </a:r>
+            <a:r>
+              <a:rPr lang="zh-CN" altLang="en-US" dirty="0"/>
+              <a:t>的</a:t>
+            </a:r>
+            <a:r>
+              <a:rPr lang="en-US" altLang="zh-CN" dirty="0" err="1"/>
+              <a:t>ssh</a:t>
+            </a:r>
+            <a:r>
+              <a:rPr lang="zh-CN" altLang="en-US" dirty="0"/>
+              <a:t>验证功能，可获取</a:t>
+            </a:r>
+            <a:r>
+              <a:rPr lang="en-US" altLang="zh-CN" dirty="0" err="1"/>
+              <a:t>netconfig</a:t>
+            </a:r>
+            <a:r>
+              <a:rPr lang="zh-CN" altLang="en-US" dirty="0"/>
+              <a:t>服务器上的</a:t>
+            </a:r>
+            <a:r>
+              <a:rPr lang="en-US" altLang="zh-CN" dirty="0"/>
+              <a:t>yang</a:t>
+            </a:r>
+            <a:r>
+              <a:rPr lang="zh-CN" altLang="en-US" dirty="0"/>
+              <a:t>模型数据</a:t>
+            </a:r>
+          </a:p>
+        </p:txBody>
+      </p:sp>
+    </p:spTree>
+    <p:extLst>
+      <p:ext uri="{BB962C8B-B14F-4D97-AF65-F5344CB8AC3E}">
+        <p14:creationId xmlns:p14="http://schemas.microsoft.com/office/powerpoint/2010/main" val="3242773345"/>
+      </p:ext>
+    </p:extLst>
+  </p:cSld>
+  <p:clrMapOvr>
+    <a:masterClrMapping/>
+  </p:clrMapOvr>
+</p:sld>
+</file>
+
+<file path=ppt/slides/slide8.xml><?xml version="1.0" encoding="utf-8"?>
+<p:sld xmlns:a="http://schemas.openxmlformats.org/drawingml/2006/main" xmlns:r="http://schemas.openxmlformats.org/officeDocument/2006/relationships" xmlns:p="http://schemas.openxmlformats.org/presentationml/2006/main">
+  <p:cSld>
+    <p:spTree>
+      <p:nvGrpSpPr>
+        <p:cNvPr id="1" name=""/>
+        <p:cNvGrpSpPr/>
+        <p:nvPr/>
+      </p:nvGrpSpPr>
+      <p:grpSpPr>
+        <a:xfrm>
+          <a:off x="0" y="0"/>
+          <a:ext cx="0" cy="0"/>
+          <a:chOff x="0" y="0"/>
+          <a:chExt cx="0" cy="0"/>
+        </a:xfrm>
+      </p:grpSpPr>
+      <p:sp>
+        <p:nvSpPr>
+          <p:cNvPr id="2" name="灯片编号占位符 1"/>
+          <p:cNvSpPr>
+            <a:spLocks noGrp="1"/>
+          </p:cNvSpPr>
+          <p:nvPr>
+            <p:ph type="sldNum" sz="quarter" idx="12"/>
+          </p:nvPr>
+        </p:nvSpPr>
+        <p:spPr/>
+        <p:txBody>
+          <a:bodyPr/>
+          <a:lstStyle/>
+          <a:p>
             <a:r>
               <a:rPr lang="en-US" altLang="zh-CN"/>
               <a:t>BUPT  </a:t>
             </a:r>
             <a:fld id="{9BF53DAA-D39D-4AAA-A2E6-030A53B2611E}" type="slidenum">
               <a:rPr lang="zh-CN" altLang="en-US" smtClean="0"/>
-              <a:t>5</a:t>
+              <a:t>8</a:t>
             </a:fld>
             <a:endParaRPr lang="zh-CN" altLang="en-US" dirty="0"/>
           </a:p>
@@ -3684,7 +5670,7 @@
         <p:spPr>
           <a:xfrm>
             <a:off x="643577" y="2348880"/>
-            <a:ext cx="5616624" cy="753220"/>
+            <a:ext cx="5164391" cy="1099468"/>
           </a:xfrm>
           <a:prstGeom prst="rect">
             <a:avLst/>
@@ -3715,7 +5701,23 @@
                 <a:ea typeface="微软雅黑" panose="020B0503020204020204" pitchFamily="34" charset="-122"/>
                 <a:cs typeface="Arial" panose="020B0604020202020204" pitchFamily="34" charset="0"/>
               </a:rPr>
-              <a:t>、</a:t>
+              <a:t>、对</a:t>
+            </a:r>
+            <a:r>
+              <a:rPr lang="en-US" altLang="zh-CN" b="1" dirty="0" err="1">
+                <a:latin typeface="微软雅黑" panose="020B0503020204020204" pitchFamily="34" charset="-122"/>
+                <a:ea typeface="微软雅黑" panose="020B0503020204020204" pitchFamily="34" charset="-122"/>
+                <a:cs typeface="Arial" panose="020B0604020202020204" pitchFamily="34" charset="0"/>
+              </a:rPr>
+              <a:t>rpc</a:t>
+            </a:r>
+            <a:r>
+              <a:rPr lang="zh-CN" altLang="en-US" b="1" dirty="0">
+                <a:latin typeface="微软雅黑" panose="020B0503020204020204" pitchFamily="34" charset="-122"/>
+                <a:ea typeface="微软雅黑" panose="020B0503020204020204" pitchFamily="34" charset="-122"/>
+                <a:cs typeface="Arial" panose="020B0604020202020204" pitchFamily="34" charset="0"/>
+              </a:rPr>
+              <a:t>的测试需要自己编写测试代码</a:t>
             </a:r>
             <a:r>
               <a:rPr lang="en-US" altLang="zh-CN" b="1" dirty="0">
@@ -3723,7 +5725,7 @@
                 <a:ea typeface="微软雅黑" panose="020B0503020204020204" pitchFamily="34" charset="-122"/>
                 <a:cs typeface="Arial" panose="020B0604020202020204" pitchFamily="34" charset="0"/>
               </a:rPr>
-              <a:t>xxx</a:t>
+              <a:t>-</a:t>
             </a:r>
             <a:r>
               <a:rPr lang="zh-CN" altLang="en-US" b="1" dirty="0">
@@ -3731,7 +5733,31 @@
                 <a:ea typeface="微软雅黑" panose="020B0503020204020204" pitchFamily="34" charset="-122"/>
                 <a:cs typeface="Arial" panose="020B0604020202020204" pitchFamily="34" charset="0"/>
               </a:rPr>
-              <a:t>；</a:t>
+              <a:t>如清除数据</a:t>
+            </a:r>
+            <a:r>
+              <a:rPr lang="en-US" altLang="zh-CN" b="1" dirty="0">
+                <a:latin typeface="微软雅黑" panose="020B0503020204020204" pitchFamily="34" charset="-122"/>
+                <a:ea typeface="微软雅黑" panose="020B0503020204020204" pitchFamily="34" charset="-122"/>
+                <a:cs typeface="Arial" panose="020B0604020202020204" pitchFamily="34" charset="0"/>
+              </a:rPr>
+              <a:t>-</a:t>
+            </a:r>
+            <a:r>
+              <a:rPr lang="en-US" altLang="zh-CN" b="1" dirty="0" err="1">
+                <a:latin typeface="微软雅黑" panose="020B0503020204020204" pitchFamily="34" charset="-122"/>
+                <a:ea typeface="微软雅黑" panose="020B0503020204020204" pitchFamily="34" charset="-122"/>
+                <a:cs typeface="Arial" panose="020B0604020202020204" pitchFamily="34" charset="0"/>
+              </a:rPr>
+              <a:t>raisecom</a:t>
+            </a:r>
+            <a:r>
+              <a:rPr lang="zh-CN" altLang="en-US" b="1" dirty="0">
+                <a:latin typeface="微软雅黑" panose="020B0503020204020204" pitchFamily="34" charset="-122"/>
+                <a:ea typeface="微软雅黑" panose="020B0503020204020204" pitchFamily="34" charset="-122"/>
+                <a:cs typeface="Arial" panose="020B0604020202020204" pitchFamily="34" charset="0"/>
+              </a:rPr>
+              <a:t>，还未进行测试；</a:t>
             </a:r>
             <a:endParaRPr lang="en-US" altLang="zh-CN" b="1" dirty="0">
               <a:latin typeface="微软雅黑" panose="020B0503020204020204" pitchFamily="34" charset="-122"/>
@@ -3759,23 +5785,7 @@
                 <a:ea typeface="微软雅黑" panose="020B0503020204020204" pitchFamily="34" charset="-122"/>
                 <a:cs typeface="Arial" panose="020B0604020202020204" pitchFamily="34" charset="0"/>
               </a:rPr>
-              <a:t>、</a:t>
-            </a:r>
-            <a:r>
-              <a:rPr lang="en-US" altLang="zh-CN" b="1" dirty="0">
-                <a:latin typeface="微软雅黑" panose="020B0503020204020204" pitchFamily="34" charset="-122"/>
-                <a:ea typeface="微软雅黑" panose="020B0503020204020204" pitchFamily="34" charset="-122"/>
-                <a:cs typeface="Arial" panose="020B0604020202020204" pitchFamily="34" charset="0"/>
-              </a:rPr>
-              <a:t>xxx</a:t>
-            </a:r>
-            <a:r>
-              <a:rPr lang="zh-CN" altLang="en-US" b="1" dirty="0">
-                <a:latin typeface="微软雅黑" panose="020B0503020204020204" pitchFamily="34" charset="-122"/>
-                <a:ea typeface="微软雅黑" panose="020B0503020204020204" pitchFamily="34" charset="-122"/>
-                <a:cs typeface="Arial" panose="020B0604020202020204" pitchFamily="34" charset="0"/>
-              </a:rPr>
-              <a:t>。</a:t>
+              <a:t>、状态数据存储位置和存储结构不明。</a:t>
             </a:r>
             <a:endParaRPr lang="en-US" altLang="zh-CN" b="1" dirty="0">
               <a:latin typeface="微软雅黑" panose="020B0503020204020204" pitchFamily="34" charset="-122"/>
@@ -3881,15 +5891,15 @@
                 <a:ea typeface="微软雅黑" panose="020B0503020204020204" pitchFamily="34" charset="-122"/>
                 <a:cs typeface="Arial" panose="020B0604020202020204" pitchFamily="34" charset="0"/>
               </a:rPr>
-              <a:t>、</a:t>
-            </a:r>
-            <a:r>
-              <a:rPr lang="en-US" altLang="zh-CN" b="1" dirty="0">
+              <a:t>、编写测试代码，测试</a:t>
+            </a:r>
+            <a:r>
+              <a:rPr lang="en-US" altLang="zh-CN" b="1" dirty="0" err="1">
                 <a:latin typeface="微软雅黑" panose="020B0503020204020204" pitchFamily="34" charset="-122"/>
                 <a:ea typeface="微软雅黑" panose="020B0503020204020204" pitchFamily="34" charset="-122"/>
                 <a:cs typeface="Arial" panose="020B0604020202020204" pitchFamily="34" charset="0"/>
               </a:rPr>
-              <a:t>xxx</a:t>
+              <a:t>rpc</a:t>
             </a:r>
             <a:r>
               <a:rPr lang="zh-CN" altLang="en-US" b="1" dirty="0">
@@ -3897,7 +5907,7 @@
                 <a:ea typeface="微软雅黑" panose="020B0503020204020204" pitchFamily="34" charset="-122"/>
                 <a:cs typeface="Arial" panose="020B0604020202020204" pitchFamily="34" charset="0"/>
               </a:rPr>
-              <a:t>；</a:t>
+              <a:t>调用；</a:t>
             </a:r>
             <a:endParaRPr lang="en-US" altLang="zh-CN" b="1" dirty="0">
               <a:latin typeface="微软雅黑" panose="020B0503020204020204" pitchFamily="34" charset="-122"/>
@@ -3925,15 +5935,31 @@
                 <a:ea typeface="微软雅黑" panose="020B0503020204020204" pitchFamily="34" charset="-122"/>
                 <a:cs typeface="Arial" panose="020B0604020202020204" pitchFamily="34" charset="0"/>
               </a:rPr>
-              <a:t>、</a:t>
-            </a:r>
-            <a:r>
-              <a:rPr lang="en-US" altLang="zh-CN" b="1" dirty="0">
+              <a:t>、查看</a:t>
+            </a:r>
+            <a:r>
+              <a:rPr lang="en-US" altLang="zh-CN" b="1" dirty="0" err="1">
                 <a:latin typeface="微软雅黑" panose="020B0503020204020204" pitchFamily="34" charset="-122"/>
                 <a:ea typeface="微软雅黑" panose="020B0503020204020204" pitchFamily="34" charset="-122"/>
                 <a:cs typeface="Arial" panose="020B0604020202020204" pitchFamily="34" charset="0"/>
               </a:rPr>
-              <a:t>xxx</a:t>
+              <a:t>sysrepo</a:t>
+            </a:r>
+            <a:r>
+              <a:rPr lang="zh-CN" altLang="en-US" b="1" dirty="0">
+                <a:latin typeface="微软雅黑" panose="020B0503020204020204" pitchFamily="34" charset="-122"/>
+                <a:ea typeface="微软雅黑" panose="020B0503020204020204" pitchFamily="34" charset="-122"/>
+                <a:cs typeface="Arial" panose="020B0604020202020204" pitchFamily="34" charset="0"/>
+              </a:rPr>
+              <a:t>存储相关</a:t>
+            </a:r>
+            <a:r>
+              <a:rPr lang="en-US" altLang="zh-CN" b="1" dirty="0" err="1">
+                <a:latin typeface="微软雅黑" panose="020B0503020204020204" pitchFamily="34" charset="-122"/>
+                <a:ea typeface="微软雅黑" panose="020B0503020204020204" pitchFamily="34" charset="-122"/>
+                <a:cs typeface="Arial" panose="020B0604020202020204" pitchFamily="34" charset="0"/>
+              </a:rPr>
+              <a:t>api</a:t>
             </a:r>
             <a:r>
               <a:rPr lang="zh-CN" altLang="en-US" b="1" dirty="0">
@@ -3951,6 +5977,36 @@
           </a:p>
         </p:txBody>
       </p:sp>
+      <p:pic>
+        <p:nvPicPr>
+          <p:cNvPr id="6" name="图片 5">
+            <a:extLst>
+              <a:ext uri="{FF2B5EF4-FFF2-40B4-BE49-F238E27FC236}">
+                <a16:creationId xmlns:a16="http://schemas.microsoft.com/office/drawing/2014/main" id="{F3DE5D47-3AC7-4D2A-B589-A86AB4CB06EF}"/>
+              </a:ext>
+            </a:extLst>
+          </p:cNvPr>
+          <p:cNvPicPr>
+            <a:picLocks noChangeAspect="1"/>
+          </p:cNvPicPr>
+          <p:nvPr/>
+        </p:nvPicPr>
+        <p:blipFill>
+          <a:blip r:embed="rId2"/>
+          <a:stretch>
+            <a:fillRect/>
+          </a:stretch>
+        </p:blipFill>
+        <p:spPr>
+          <a:xfrm>
+            <a:off x="484155" y="4005064"/>
+            <a:ext cx="4414662" cy="1774813"/>
+          </a:xfrm>
+          <a:prstGeom prst="rect">
+            <a:avLst/>
+          </a:prstGeom>
+        </p:spPr>
+      </p:pic>
     </p:spTree>
     <p:extLst>
       <p:ext uri="{BB962C8B-B14F-4D97-AF65-F5344CB8AC3E}">
@@ -3964,7 +6020,7 @@
 </p:sld>
 </file>
 
-<file path=ppt/slides/slide6.xml><?xml version="1.0" encoding="utf-8"?>
+<file path=ppt/slides/slide9.xml><?xml version="1.0" encoding="utf-8"?>
 <p:sld xmlns:a="http://schemas.openxmlformats.org/drawingml/2006/main" xmlns:r="http://schemas.openxmlformats.org/officeDocument/2006/relationships" xmlns:p="http://schemas.openxmlformats.org/presentationml/2006/main">
   <p:cSld>
     <p:spTree>
@@ -4003,7 +6059,7 @@
             <a:fld id="{9BF53DAA-D39D-4AAA-A2E6-030A53B2611E}" type="slidenum">
               <a:rPr lang="zh-CN" altLang="en-US" smtClean="0"/>
               <a:pPr/>
-              <a:t>6</a:t>
+              <a:t>9</a:t>
             </a:fld>
             <a:endParaRPr lang="zh-CN" altLang="en-US" dirty="0"/>
           </a:p>
@@ -4077,23 +6133,7 @@
                 <a:ea typeface="微软雅黑" panose="020B0503020204020204" pitchFamily="34" charset="-122"/>
                 <a:cs typeface="Arial" panose="020B0604020202020204" pitchFamily="34" charset="0"/>
               </a:rPr>
-              <a:t>、</a:t>
-            </a:r>
-            <a:r>
-              <a:rPr lang="en-US" altLang="zh-CN" b="1" dirty="0">
-                <a:latin typeface="微软雅黑" panose="020B0503020204020204" pitchFamily="34" charset="-122"/>
-                <a:ea typeface="微软雅黑" panose="020B0503020204020204" pitchFamily="34" charset="-122"/>
-                <a:cs typeface="Arial" panose="020B0604020202020204" pitchFamily="34" charset="0"/>
-              </a:rPr>
-              <a:t>xxx</a:t>
-            </a:r>
-            <a:r>
-              <a:rPr lang="zh-CN" altLang="en-US" b="1" dirty="0">
-                <a:latin typeface="微软雅黑" panose="020B0503020204020204" pitchFamily="34" charset="-122"/>
-                <a:ea typeface="微软雅黑" panose="020B0503020204020204" pitchFamily="34" charset="-122"/>
-                <a:cs typeface="Arial" panose="020B0604020202020204" pitchFamily="34" charset="0"/>
-              </a:rPr>
-              <a:t>；</a:t>
+              <a:t>、编写业务相关的测试结构；</a:t>
             </a:r>
             <a:endParaRPr lang="en-US" altLang="zh-CN" b="1" dirty="0">
               <a:latin typeface="微软雅黑" panose="020B0503020204020204" pitchFamily="34" charset="-122"/>
@@ -4126,20 +6166,36 @@
               <a:t>、</a:t>
             </a:r>
             <a:r>
+              <a:rPr lang="en-US" altLang="zh-CN" b="1" dirty="0" err="1">
+                <a:latin typeface="微软雅黑" panose="020B0503020204020204" pitchFamily="34" charset="-122"/>
+                <a:ea typeface="微软雅黑" panose="020B0503020204020204" pitchFamily="34" charset="-122"/>
+                <a:cs typeface="Arial" panose="020B0604020202020204" pitchFamily="34" charset="0"/>
+              </a:rPr>
+              <a:t>netconfig</a:t>
+            </a:r>
+            <a:r>
+              <a:rPr lang="zh-CN" altLang="en-US" b="1" dirty="0">
+                <a:latin typeface="微软雅黑" panose="020B0503020204020204" pitchFamily="34" charset="-122"/>
+                <a:ea typeface="微软雅黑" panose="020B0503020204020204" pitchFamily="34" charset="-122"/>
+                <a:cs typeface="Arial" panose="020B0604020202020204" pitchFamily="34" charset="0"/>
+              </a:rPr>
+              <a:t>接口</a:t>
+            </a:r>
+            <a:r>
               <a:rPr lang="en-US" altLang="zh-CN" b="1" dirty="0">
                 <a:latin typeface="微软雅黑" panose="020B0503020204020204" pitchFamily="34" charset="-122"/>
                 <a:ea typeface="微软雅黑" panose="020B0503020204020204" pitchFamily="34" charset="-122"/>
                 <a:cs typeface="Arial" panose="020B0604020202020204" pitchFamily="34" charset="0"/>
               </a:rPr>
-              <a:t>xxx</a:t>
-            </a:r>
-            <a:r>
-              <a:rPr lang="zh-CN" altLang="en-US" b="1" dirty="0">
+              <a:t>+yang</a:t>
+            </a:r>
+            <a:r>
+              <a:rPr lang="zh-CN" altLang="en-US" b="1">
                 <a:latin typeface="微软雅黑" panose="020B0503020204020204" pitchFamily="34" charset="-122"/>
                 <a:ea typeface="微软雅黑" panose="020B0503020204020204" pitchFamily="34" charset="-122"/>
                 <a:cs typeface="Arial" panose="020B0604020202020204" pitchFamily="34" charset="0"/>
               </a:rPr>
-              <a:t>。</a:t>
+              <a:t>解析接口。</a:t>
             </a:r>
             <a:endParaRPr lang="en-US" altLang="zh-CN" b="1" dirty="0">
               <a:latin typeface="微软雅黑" panose="020B0503020204020204" pitchFamily="34" charset="-122"/>
